--- a/docs/Lecture 3.pptx
+++ b/docs/Lecture 3.pptx
@@ -5,7 +5,7 @@
     <p:sldMasterId id="2147483648" r:id="rId1"/>
   </p:sldMasterIdLst>
   <p:notesMasterIdLst>
-    <p:notesMasterId r:id="rId26"/>
+    <p:notesMasterId r:id="rId28"/>
   </p:notesMasterIdLst>
   <p:sldIdLst>
     <p:sldId id="268" r:id="rId2"/>
@@ -21,17 +21,19 @@
     <p:sldId id="300" r:id="rId12"/>
     <p:sldId id="305" r:id="rId13"/>
     <p:sldId id="306" r:id="rId14"/>
-    <p:sldId id="303" r:id="rId15"/>
-    <p:sldId id="307" r:id="rId16"/>
-    <p:sldId id="308" r:id="rId17"/>
-    <p:sldId id="310" r:id="rId18"/>
-    <p:sldId id="311" r:id="rId19"/>
-    <p:sldId id="312" r:id="rId20"/>
-    <p:sldId id="314" r:id="rId21"/>
-    <p:sldId id="318" r:id="rId22"/>
-    <p:sldId id="319" r:id="rId23"/>
-    <p:sldId id="317" r:id="rId24"/>
-    <p:sldId id="320" r:id="rId25"/>
+    <p:sldId id="321" r:id="rId15"/>
+    <p:sldId id="322" r:id="rId16"/>
+    <p:sldId id="303" r:id="rId17"/>
+    <p:sldId id="307" r:id="rId18"/>
+    <p:sldId id="308" r:id="rId19"/>
+    <p:sldId id="310" r:id="rId20"/>
+    <p:sldId id="311" r:id="rId21"/>
+    <p:sldId id="312" r:id="rId22"/>
+    <p:sldId id="314" r:id="rId23"/>
+    <p:sldId id="318" r:id="rId24"/>
+    <p:sldId id="319" r:id="rId25"/>
+    <p:sldId id="317" r:id="rId26"/>
+    <p:sldId id="320" r:id="rId27"/>
   </p:sldIdLst>
   <p:sldSz cx="12192000" cy="6858000"/>
   <p:notesSz cx="6858000" cy="9144000"/>
@@ -220,7 +222,7 @@
           <a:p>
             <a:fld id="{D42A6D51-E060-4FF1-A392-37E69ECC2322}" type="datetimeFigureOut">
               <a:rPr lang="en-US" smtClean="0"/>
-              <a:t>10/24/2024</a:t>
+              <a:t>10/25/2024</a:t>
             </a:fld>
             <a:endParaRPr lang="en-US"/>
           </a:p>
@@ -718,7 +720,7 @@
           <a:p>
             <a:fld id="{697C8BC9-B682-4632-B2C2-F55A5AC35628}" type="datetimeFigureOut">
               <a:rPr lang="en-US" smtClean="0"/>
-              <a:t>10/24/2024</a:t>
+              <a:t>10/25/2024</a:t>
             </a:fld>
             <a:endParaRPr lang="en-US"/>
           </a:p>
@@ -916,7 +918,7 @@
           <a:p>
             <a:fld id="{697C8BC9-B682-4632-B2C2-F55A5AC35628}" type="datetimeFigureOut">
               <a:rPr lang="en-US" smtClean="0"/>
-              <a:t>10/24/2024</a:t>
+              <a:t>10/25/2024</a:t>
             </a:fld>
             <a:endParaRPr lang="en-US"/>
           </a:p>
@@ -1124,7 +1126,7 @@
           <a:p>
             <a:fld id="{697C8BC9-B682-4632-B2C2-F55A5AC35628}" type="datetimeFigureOut">
               <a:rPr lang="en-US" smtClean="0"/>
-              <a:t>10/24/2024</a:t>
+              <a:t>10/25/2024</a:t>
             </a:fld>
             <a:endParaRPr lang="en-US"/>
           </a:p>
@@ -1322,7 +1324,7 @@
           <a:p>
             <a:fld id="{697C8BC9-B682-4632-B2C2-F55A5AC35628}" type="datetimeFigureOut">
               <a:rPr lang="en-US" smtClean="0"/>
-              <a:t>10/24/2024</a:t>
+              <a:t>10/25/2024</a:t>
             </a:fld>
             <a:endParaRPr lang="en-US"/>
           </a:p>
@@ -1597,7 +1599,7 @@
           <a:p>
             <a:fld id="{697C8BC9-B682-4632-B2C2-F55A5AC35628}" type="datetimeFigureOut">
               <a:rPr lang="en-US" smtClean="0"/>
-              <a:t>10/24/2024</a:t>
+              <a:t>10/25/2024</a:t>
             </a:fld>
             <a:endParaRPr lang="en-US"/>
           </a:p>
@@ -1862,7 +1864,7 @@
           <a:p>
             <a:fld id="{697C8BC9-B682-4632-B2C2-F55A5AC35628}" type="datetimeFigureOut">
               <a:rPr lang="en-US" smtClean="0"/>
-              <a:t>10/24/2024</a:t>
+              <a:t>10/25/2024</a:t>
             </a:fld>
             <a:endParaRPr lang="en-US"/>
           </a:p>
@@ -2274,7 +2276,7 @@
           <a:p>
             <a:fld id="{697C8BC9-B682-4632-B2C2-F55A5AC35628}" type="datetimeFigureOut">
               <a:rPr lang="en-US" smtClean="0"/>
-              <a:t>10/24/2024</a:t>
+              <a:t>10/25/2024</a:t>
             </a:fld>
             <a:endParaRPr lang="en-US"/>
           </a:p>
@@ -2415,7 +2417,7 @@
           <a:p>
             <a:fld id="{697C8BC9-B682-4632-B2C2-F55A5AC35628}" type="datetimeFigureOut">
               <a:rPr lang="en-US" smtClean="0"/>
-              <a:t>10/24/2024</a:t>
+              <a:t>10/25/2024</a:t>
             </a:fld>
             <a:endParaRPr lang="en-US"/>
           </a:p>
@@ -2528,7 +2530,7 @@
           <a:p>
             <a:fld id="{697C8BC9-B682-4632-B2C2-F55A5AC35628}" type="datetimeFigureOut">
               <a:rPr lang="en-US" smtClean="0"/>
-              <a:t>10/24/2024</a:t>
+              <a:t>10/25/2024</a:t>
             </a:fld>
             <a:endParaRPr lang="en-US"/>
           </a:p>
@@ -2839,7 +2841,7 @@
           <a:p>
             <a:fld id="{697C8BC9-B682-4632-B2C2-F55A5AC35628}" type="datetimeFigureOut">
               <a:rPr lang="en-US" smtClean="0"/>
-              <a:t>10/24/2024</a:t>
+              <a:t>10/25/2024</a:t>
             </a:fld>
             <a:endParaRPr lang="en-US"/>
           </a:p>
@@ -3127,7 +3129,7 @@
           <a:p>
             <a:fld id="{697C8BC9-B682-4632-B2C2-F55A5AC35628}" type="datetimeFigureOut">
               <a:rPr lang="en-US" smtClean="0"/>
-              <a:t>10/24/2024</a:t>
+              <a:t>10/25/2024</a:t>
             </a:fld>
             <a:endParaRPr lang="en-US"/>
           </a:p>
@@ -3368,7 +3370,7 @@
           <a:p>
             <a:fld id="{697C8BC9-B682-4632-B2C2-F55A5AC35628}" type="datetimeFigureOut">
               <a:rPr lang="en-US" smtClean="0"/>
-              <a:t>10/24/2024</a:t>
+              <a:t>10/25/2024</a:t>
             </a:fld>
             <a:endParaRPr lang="en-US"/>
           </a:p>
@@ -5903,7 +5905,7 @@
           <p:cNvPr id="2" name="Title 1">
             <a:extLst>
               <a:ext uri="{FF2B5EF4-FFF2-40B4-BE49-F238E27FC236}">
-                <a16:creationId xmlns:a16="http://schemas.microsoft.com/office/drawing/2014/main" id="{7D8BC87E-041D-66E7-995D-0325FB9270D2}"/>
+                <a16:creationId xmlns:a16="http://schemas.microsoft.com/office/drawing/2014/main" id="{04D631D6-247D-1E3B-C2E9-B8D9976B7637}"/>
               </a:ext>
             </a:extLst>
           </p:cNvPr>
@@ -5921,7 +5923,7 @@
           <a:p>
             <a:r>
               <a:rPr lang="en-US" dirty="0"/>
-              <a:t>Volatility-based decomposition</a:t>
+              <a:t>Object-Oriented Decomposition</a:t>
             </a:r>
           </a:p>
         </p:txBody>
@@ -5931,7 +5933,7 @@
           <p:cNvPr id="3" name="Content Placeholder 2">
             <a:extLst>
               <a:ext uri="{FF2B5EF4-FFF2-40B4-BE49-F238E27FC236}">
-                <a16:creationId xmlns:a16="http://schemas.microsoft.com/office/drawing/2014/main" id="{4C60ABCF-7295-8D04-5453-03A77192404C}"/>
+                <a16:creationId xmlns:a16="http://schemas.microsoft.com/office/drawing/2014/main" id="{468160F0-4DE8-3EE9-777A-3373A331B1DC}"/>
               </a:ext>
             </a:extLst>
           </p:cNvPr>
@@ -5944,98 +5946,185 @@
         </p:nvSpPr>
         <p:spPr/>
         <p:txBody>
-          <a:bodyPr/>
-          <a:lstStyle/>
-          <a:p>
-            <a:r>
-              <a:rPr lang="en-US" dirty="0"/>
-              <a:t>A decomposition into modules based on areas of potential change encapsulation.</a:t>
-            </a:r>
-          </a:p>
-          <a:p>
-            <a:r>
-              <a:rPr lang="en-US" dirty="0"/>
-              <a:t>E.g. high-volatility in power</a:t>
-            </a:r>
-          </a:p>
-          <a:p>
-            <a:pPr lvl="1"/>
-            <a:r>
-              <a:rPr lang="en-US" dirty="0"/>
-              <a:t>Different sources, connectivity, and a power socket as interface.</a:t>
-            </a:r>
-          </a:p>
-          <a:p>
-            <a:r>
-              <a:rPr lang="en-US" dirty="0"/>
-              <a:t>Changes are contained in a single module – no side effects outside module boundary.</a:t>
-            </a:r>
-          </a:p>
-          <a:p>
-            <a:r>
-              <a:rPr lang="en-US" dirty="0">
-                <a:hlinkClick r:id="rId2"/>
-              </a:rPr>
-              <a:t>On the criteria to be used in decomposing systems into modules</a:t>
+          <a:bodyPr>
+            <a:normAutofit fontScale="62500" lnSpcReduction="20000"/>
+          </a:bodyPr>
+          <a:lstStyle/>
+          <a:p>
+            <a:pPr>
+              <a:buFont typeface="+mj-lt"/>
+              <a:buAutoNum type="arabicPeriod"/>
+            </a:pPr>
+            <a:r>
+              <a:rPr lang="en-US" b="1" dirty="0"/>
+              <a:t>Identify the System Requirements</a:t>
             </a:r>
             <a:endParaRPr lang="en-US" dirty="0"/>
           </a:p>
           <a:p>
-            <a:pPr lvl="1"/>
-            <a:r>
-              <a:rPr lang="en-US" dirty="0"/>
-              <a:t>Can be found on the course website.</a:t>
-            </a:r>
-          </a:p>
-          <a:p>
-            <a:pPr lvl="1"/>
-            <a:r>
-              <a:rPr lang="en-US" dirty="0"/>
-              <a:t>“decomposition was made using ‘information hiding’ as a criterion”.</a:t>
-            </a:r>
-          </a:p>
-        </p:txBody>
-      </p:sp>
-      <p:pic>
-        <p:nvPicPr>
-          <p:cNvPr id="4" name="Graphic 3" descr="High voltage outline">
-            <a:extLst>
-              <a:ext uri="{FF2B5EF4-FFF2-40B4-BE49-F238E27FC236}">
-                <a16:creationId xmlns:a16="http://schemas.microsoft.com/office/drawing/2014/main" id="{EB6F4183-070E-B2BE-B57B-5F488F111CD3}"/>
-              </a:ext>
-            </a:extLst>
-          </p:cNvPr>
-          <p:cNvPicPr>
-            <a:picLocks noChangeAspect="1"/>
-          </p:cNvPicPr>
-          <p:nvPr/>
-        </p:nvPicPr>
-        <p:blipFill>
-          <a:blip r:embed="rId3">
-            <a:extLst>
-              <a:ext uri="{96DAC541-7B7A-43D3-8B79-37D633B846F1}">
-                <asvg:svgBlip xmlns:asvg="http://schemas.microsoft.com/office/drawing/2016/SVG/main" r:embed="rId4"/>
-              </a:ext>
-            </a:extLst>
-          </a:blip>
-          <a:stretch>
-            <a:fillRect/>
-          </a:stretch>
-        </p:blipFill>
-        <p:spPr>
-          <a:xfrm>
-            <a:off x="5331097" y="2752821"/>
-            <a:ext cx="389967" cy="389967"/>
-          </a:xfrm>
-          <a:prstGeom prst="rect">
-            <a:avLst/>
-          </a:prstGeom>
-        </p:spPr>
-      </p:pic>
+            <a:pPr marL="742950" lvl="1" indent="-285750">
+              <a:buFont typeface="+mj-lt"/>
+              <a:buAutoNum type="arabicPeriod"/>
+            </a:pPr>
+            <a:r>
+              <a:rPr lang="en-US" dirty="0"/>
+              <a:t>Gather and analyze functional and non-functional requirements.</a:t>
+            </a:r>
+          </a:p>
+          <a:p>
+            <a:pPr>
+              <a:buFont typeface="+mj-lt"/>
+              <a:buAutoNum type="arabicPeriod"/>
+            </a:pPr>
+            <a:r>
+              <a:rPr lang="en-US" b="1" dirty="0"/>
+              <a:t>Determine the Key Objects</a:t>
+            </a:r>
+            <a:endParaRPr lang="en-US" dirty="0"/>
+          </a:p>
+          <a:p>
+            <a:pPr marL="742950" lvl="1" indent="-285750">
+              <a:buFont typeface="+mj-lt"/>
+              <a:buAutoNum type="arabicPeriod"/>
+            </a:pPr>
+            <a:r>
+              <a:rPr lang="en-US" dirty="0"/>
+              <a:t>Extract entities and concepts relevant to the problem domain.</a:t>
+            </a:r>
+          </a:p>
+          <a:p>
+            <a:pPr>
+              <a:buFont typeface="+mj-lt"/>
+              <a:buAutoNum type="arabicPeriod"/>
+            </a:pPr>
+            <a:r>
+              <a:rPr lang="en-US" b="1" dirty="0"/>
+              <a:t>Define Class Hierarchies</a:t>
+            </a:r>
+            <a:endParaRPr lang="en-US" dirty="0"/>
+          </a:p>
+          <a:p>
+            <a:pPr marL="742950" lvl="1" indent="-285750">
+              <a:buFont typeface="+mj-lt"/>
+              <a:buAutoNum type="arabicPeriod"/>
+            </a:pPr>
+            <a:r>
+              <a:rPr lang="en-US" dirty="0"/>
+              <a:t>Establish superclass and subclass relationships.</a:t>
+            </a:r>
+          </a:p>
+          <a:p>
+            <a:pPr marL="742950" lvl="1" indent="-285750">
+              <a:buFont typeface="+mj-lt"/>
+              <a:buAutoNum type="arabicPeriod"/>
+            </a:pPr>
+            <a:r>
+              <a:rPr lang="en-US" dirty="0"/>
+              <a:t>Utilize inheritance where appropriate.</a:t>
+            </a:r>
+          </a:p>
+          <a:p>
+            <a:pPr>
+              <a:buFont typeface="+mj-lt"/>
+              <a:buAutoNum type="arabicPeriod"/>
+            </a:pPr>
+            <a:r>
+              <a:rPr lang="en-US" b="1" dirty="0"/>
+              <a:t>Assign Responsibilities</a:t>
+            </a:r>
+            <a:endParaRPr lang="en-US" dirty="0"/>
+          </a:p>
+          <a:p>
+            <a:pPr marL="742950" lvl="1" indent="-285750">
+              <a:buFont typeface="+mj-lt"/>
+              <a:buAutoNum type="arabicPeriod"/>
+            </a:pPr>
+            <a:r>
+              <a:rPr lang="en-US" dirty="0"/>
+              <a:t>Determine what each class should know and do.</a:t>
+            </a:r>
+          </a:p>
+          <a:p>
+            <a:pPr marL="742950" lvl="1" indent="-285750">
+              <a:buFont typeface="+mj-lt"/>
+              <a:buAutoNum type="arabicPeriod"/>
+            </a:pPr>
+            <a:r>
+              <a:rPr lang="en-US" dirty="0"/>
+              <a:t>Apply the Single Responsibility Principle.</a:t>
+            </a:r>
+          </a:p>
+          <a:p>
+            <a:pPr>
+              <a:buFont typeface="+mj-lt"/>
+              <a:buAutoNum type="arabicPeriod"/>
+            </a:pPr>
+            <a:r>
+              <a:rPr lang="en-US" b="1" dirty="0"/>
+              <a:t>Establish Relationships Between Classes</a:t>
+            </a:r>
+            <a:endParaRPr lang="en-US" dirty="0"/>
+          </a:p>
+          <a:p>
+            <a:pPr marL="742950" lvl="1" indent="-285750">
+              <a:buFont typeface="+mj-lt"/>
+              <a:buAutoNum type="arabicPeriod"/>
+            </a:pPr>
+            <a:r>
+              <a:rPr lang="en-US" dirty="0"/>
+              <a:t>Define associations, aggregations, and compositions.</a:t>
+            </a:r>
+          </a:p>
+          <a:p>
+            <a:pPr marL="742950" lvl="1" indent="-285750">
+              <a:buFont typeface="+mj-lt"/>
+              <a:buAutoNum type="arabicPeriod"/>
+            </a:pPr>
+            <a:r>
+              <a:rPr lang="en-US" dirty="0"/>
+              <a:t>Model interactions and dependencies.</a:t>
+            </a:r>
+          </a:p>
+          <a:p>
+            <a:pPr>
+              <a:buFont typeface="+mj-lt"/>
+              <a:buAutoNum type="arabicPeriod"/>
+            </a:pPr>
+            <a:r>
+              <a:rPr lang="en-US" b="1" dirty="0"/>
+              <a:t>Design Class Interfaces</a:t>
+            </a:r>
+            <a:endParaRPr lang="en-US" dirty="0"/>
+          </a:p>
+          <a:p>
+            <a:pPr marL="742950" lvl="1" indent="-285750">
+              <a:buFont typeface="+mj-lt"/>
+              <a:buAutoNum type="arabicPeriod"/>
+            </a:pPr>
+            <a:r>
+              <a:rPr lang="en-US" dirty="0"/>
+              <a:t>Specify public methods for object interaction.</a:t>
+            </a:r>
+          </a:p>
+          <a:p>
+            <a:pPr marL="742950" lvl="1" indent="-285750">
+              <a:buFont typeface="+mj-lt"/>
+              <a:buAutoNum type="arabicPeriod"/>
+            </a:pPr>
+            <a:r>
+              <a:rPr lang="en-US" dirty="0"/>
+              <a:t>Ensure encapsulation by keeping internal data private.</a:t>
+            </a:r>
+          </a:p>
+          <a:p>
+            <a:endParaRPr lang="en-US" dirty="0"/>
+          </a:p>
+        </p:txBody>
+      </p:sp>
     </p:spTree>
     <p:extLst>
       <p:ext uri="{BB962C8B-B14F-4D97-AF65-F5344CB8AC3E}">
-        <p14:creationId xmlns:p14="http://schemas.microsoft.com/office/powerpoint/2010/main" val="2442915239"/>
+        <p14:creationId xmlns:p14="http://schemas.microsoft.com/office/powerpoint/2010/main" val="1971952441"/>
       </p:ext>
     </p:extLst>
   </p:cSld>
@@ -6067,7 +6156,7 @@
           <p:cNvPr id="2" name="Title 1">
             <a:extLst>
               <a:ext uri="{FF2B5EF4-FFF2-40B4-BE49-F238E27FC236}">
-                <a16:creationId xmlns:a16="http://schemas.microsoft.com/office/drawing/2014/main" id="{FC1DB036-F201-F4F6-F488-F0434FC2E07C}"/>
+                <a16:creationId xmlns:a16="http://schemas.microsoft.com/office/drawing/2014/main" id="{C5B85C73-2CF7-14FC-6759-08E204524D9E}"/>
               </a:ext>
             </a:extLst>
           </p:cNvPr>
@@ -6085,7 +6174,7 @@
           <a:p>
             <a:r>
               <a:rPr lang="en-US" dirty="0"/>
-              <a:t>Volatility-based decomposition</a:t>
+              <a:t>Drawbacks of OOD</a:t>
             </a:r>
           </a:p>
         </p:txBody>
@@ -6095,7 +6184,7 @@
           <p:cNvPr id="3" name="Content Placeholder 2">
             <a:extLst>
               <a:ext uri="{FF2B5EF4-FFF2-40B4-BE49-F238E27FC236}">
-                <a16:creationId xmlns:a16="http://schemas.microsoft.com/office/drawing/2014/main" id="{8BD6822C-9CF7-54F0-25F2-E19DF761C200}"/>
+                <a16:creationId xmlns:a16="http://schemas.microsoft.com/office/drawing/2014/main" id="{44B4F9EE-5E5F-D5BA-A16A-876F9A0DF020}"/>
               </a:ext>
             </a:extLst>
           </p:cNvPr>
@@ -6106,59 +6195,245 @@
             <p:ph idx="1"/>
           </p:nvPr>
         </p:nvSpPr>
-        <p:spPr/>
-        <p:txBody>
-          <a:bodyPr/>
-          <a:lstStyle/>
-          <a:p>
-            <a:r>
-              <a:rPr lang="en-US" dirty="0"/>
-              <a:t>Volatility is </a:t>
-            </a:r>
-            <a:r>
-              <a:rPr lang="en-US" b="1" dirty="0"/>
-              <a:t>not</a:t>
-            </a:r>
-            <a:r>
-              <a:rPr lang="en-US" dirty="0"/>
-              <a:t> self-evident.</a:t>
-            </a:r>
-          </a:p>
-          <a:p>
-            <a:r>
-              <a:rPr lang="en-US" dirty="0"/>
-              <a:t>Volatility is identified during requirements analysis process.</a:t>
-            </a:r>
-          </a:p>
-          <a:p>
-            <a:r>
-              <a:rPr lang="en-US" dirty="0"/>
-              <a:t>Change and volatility are different.</a:t>
+        <p:spPr>
+          <a:xfrm>
+            <a:off x="838200" y="1396872"/>
+            <a:ext cx="10515600" cy="5261247"/>
+          </a:xfrm>
+        </p:spPr>
+        <p:txBody>
+          <a:bodyPr>
+            <a:normAutofit lnSpcReduction="10000"/>
+          </a:bodyPr>
+          <a:lstStyle/>
+          <a:p>
+            <a:r>
+              <a:rPr lang="en-US" sz="900" b="1" dirty="0"/>
+              <a:t>1. Complexity in Large Systems</a:t>
             </a:r>
           </a:p>
           <a:p>
             <a:pPr lvl="1"/>
             <a:r>
-              <a:rPr lang="en-US" dirty="0"/>
-              <a:t>Change produce conditional logic.</a:t>
+              <a:rPr lang="en-US" sz="800" b="1" dirty="0"/>
+              <a:t>Overhead in class hierarchy design</a:t>
+            </a:r>
+            <a:r>
+              <a:rPr lang="en-US" sz="800" dirty="0"/>
+              <a:t>: As systems grow in size, designing an efficient and intuitive class hierarchy becomes challenging. Poor design choices can lead to overly complex systems with tightly coupled classes.</a:t>
             </a:r>
           </a:p>
           <a:p>
             <a:pPr lvl="1"/>
             <a:r>
-              <a:rPr lang="en-US" dirty="0"/>
-              <a:t>Volatility requires encapsulation.</a:t>
-            </a:r>
-          </a:p>
-          <a:p>
-            <a:endParaRPr lang="ru-RU" dirty="0"/>
+              <a:rPr lang="en-US" sz="800" b="1" dirty="0"/>
+              <a:t>Deep inheritance hierarchies</a:t>
+            </a:r>
+            <a:r>
+              <a:rPr lang="en-US" sz="800" dirty="0"/>
+              <a:t>: Deep inheritance chains may introduce complexity and make it harder to understand and debug the system.</a:t>
+            </a:r>
+          </a:p>
+          <a:p>
+            <a:r>
+              <a:rPr lang="en-US" sz="900" b="1" dirty="0"/>
+              <a:t>2. Performance Overhead</a:t>
+            </a:r>
+          </a:p>
+          <a:p>
+            <a:pPr lvl="1"/>
+            <a:r>
+              <a:rPr lang="en-US" sz="800" b="1" dirty="0"/>
+              <a:t>Abstraction penalty</a:t>
+            </a:r>
+            <a:r>
+              <a:rPr lang="en-US" sz="800" dirty="0"/>
+              <a:t>: Object-oriented systems often introduce multiple layers of abstraction, which can slow down performance, especially when dealing with fine-grained objects or large numbers of interactions.</a:t>
+            </a:r>
+          </a:p>
+          <a:p>
+            <a:pPr lvl="1"/>
+            <a:r>
+              <a:rPr lang="en-US" sz="800" b="1" dirty="0"/>
+              <a:t>Memory usage</a:t>
+            </a:r>
+            <a:r>
+              <a:rPr lang="en-US" sz="800" dirty="0"/>
+              <a:t>: Objects in OOP tend to use more memory due to additional metadata and object structures, which can impact performance in memory-constrained environments.</a:t>
+            </a:r>
+          </a:p>
+          <a:p>
+            <a:r>
+              <a:rPr lang="en-US" sz="900" b="1" dirty="0"/>
+              <a:t>3. Difficulty in Mapping Real-World Problems</a:t>
+            </a:r>
+          </a:p>
+          <a:p>
+            <a:pPr lvl="1"/>
+            <a:r>
+              <a:rPr lang="en-US" sz="800" b="1" dirty="0"/>
+              <a:t>Not all problems are naturally object-oriented</a:t>
+            </a:r>
+            <a:r>
+              <a:rPr lang="en-US" sz="800" dirty="0"/>
+              <a:t>: Some real-world problems may be better suited to a procedural or functional approach. Forcing an object-oriented structure onto problems like mathematical calculations or low-level system operations can lead to unnecessarily convoluted designs.</a:t>
+            </a:r>
+          </a:p>
+          <a:p>
+            <a:r>
+              <a:rPr lang="en-US" sz="900" b="1" dirty="0"/>
+              <a:t>4. Excessive Generalization</a:t>
+            </a:r>
+          </a:p>
+          <a:p>
+            <a:pPr lvl="1"/>
+            <a:r>
+              <a:rPr lang="en-US" sz="800" b="1" dirty="0"/>
+              <a:t>Over-engineering</a:t>
+            </a:r>
+            <a:r>
+              <a:rPr lang="en-US" sz="800" dirty="0"/>
+              <a:t>: Object-oriented design can sometimes lead to over-generalization, where developers create too many classes and abstractions that are unnecessary for the current use case but add complexity.</a:t>
+            </a:r>
+          </a:p>
+          <a:p>
+            <a:pPr lvl="1"/>
+            <a:r>
+              <a:rPr lang="en-US" sz="800" b="1" dirty="0"/>
+              <a:t>Premature design</a:t>
+            </a:r>
+            <a:r>
+              <a:rPr lang="en-US" sz="800" dirty="0"/>
+              <a:t>: Developers may design systems for reusability or extensibility that is not needed, leading to unnecessary layers of abstraction.</a:t>
+            </a:r>
+          </a:p>
+          <a:p>
+            <a:r>
+              <a:rPr lang="en-US" sz="900" b="1" dirty="0"/>
+              <a:t>5. Tight Coupling</a:t>
+            </a:r>
+          </a:p>
+          <a:p>
+            <a:pPr lvl="1"/>
+            <a:r>
+              <a:rPr lang="en-US" sz="800" b="1" dirty="0"/>
+              <a:t>Dependence between classes</a:t>
+            </a:r>
+            <a:r>
+              <a:rPr lang="en-US" sz="800" dirty="0"/>
+              <a:t>: Inappropriately designed object relationships may lead to tight coupling, where changes to one class force changes to others, breaking encapsulation and making the system difficult to modify and extend.</a:t>
+            </a:r>
+          </a:p>
+          <a:p>
+            <a:r>
+              <a:rPr lang="en-US" sz="900" b="1" dirty="0"/>
+              <a:t>6. Steep Learning Curve</a:t>
+            </a:r>
+          </a:p>
+          <a:p>
+            <a:pPr lvl="1"/>
+            <a:r>
+              <a:rPr lang="en-US" sz="800" b="1" dirty="0"/>
+              <a:t>OOP concepts</a:t>
+            </a:r>
+            <a:r>
+              <a:rPr lang="en-US" sz="800" dirty="0"/>
+              <a:t>: Beginners may find it difficult to grasp core OOP principles like inheritance, polymorphism, and abstraction, leading to poorly designed systems or misuse of object-oriented features.</a:t>
+            </a:r>
+          </a:p>
+          <a:p>
+            <a:pPr lvl="1"/>
+            <a:r>
+              <a:rPr lang="en-US" sz="800" b="1" dirty="0"/>
+              <a:t>Class responsibility distribution</a:t>
+            </a:r>
+            <a:r>
+              <a:rPr lang="en-US" sz="800" dirty="0"/>
+              <a:t>: Deciding the right balance of responsibility for classes requires a strong understanding of design principles like Single Responsibility Principle (SRP), which may not be intuitive for new developers.</a:t>
+            </a:r>
+          </a:p>
+          <a:p>
+            <a:r>
+              <a:rPr lang="en-US" sz="900" b="1" dirty="0"/>
+              <a:t>7. Testing and Debugging Challenges</a:t>
+            </a:r>
+          </a:p>
+          <a:p>
+            <a:pPr lvl="1"/>
+            <a:r>
+              <a:rPr lang="en-US" sz="800" b="1" dirty="0"/>
+              <a:t>Hidden behavior</a:t>
+            </a:r>
+            <a:r>
+              <a:rPr lang="en-US" sz="800" dirty="0"/>
+              <a:t>: Due to encapsulation and polymorphism, tracking down the source of bugs can become more difficult, as behavior may be hidden behind layers of abstraction or dynamic dispatch.</a:t>
+            </a:r>
+          </a:p>
+          <a:p>
+            <a:pPr lvl="1"/>
+            <a:r>
+              <a:rPr lang="en-US" sz="800" b="1" dirty="0"/>
+              <a:t>Mocking dependencies</a:t>
+            </a:r>
+            <a:r>
+              <a:rPr lang="en-US" sz="800" dirty="0"/>
+              <a:t>: Unit testing object-oriented systems often requires setting up mock objects for dependencies, which can increase test complexity and reduce maintainability.</a:t>
+            </a:r>
+          </a:p>
+          <a:p>
+            <a:r>
+              <a:rPr lang="en-US" sz="900" b="1" dirty="0"/>
+              <a:t>8. Inflexibility Due to Inheritance</a:t>
+            </a:r>
+          </a:p>
+          <a:p>
+            <a:pPr lvl="1"/>
+            <a:r>
+              <a:rPr lang="en-US" sz="800" b="1" dirty="0"/>
+              <a:t>Inheritance rigidity</a:t>
+            </a:r>
+            <a:r>
+              <a:rPr lang="en-US" sz="800" dirty="0"/>
+              <a:t>: Inheritance creates tight coupling between parent and child classes. Changes in the base class can force changes in subclasses, and misused inheritance may lead to fragile class structures that are hard to modify.</a:t>
+            </a:r>
+          </a:p>
+          <a:p>
+            <a:pPr lvl="1"/>
+            <a:r>
+              <a:rPr lang="en-US" sz="800" b="1" dirty="0"/>
+              <a:t>Favoring composition over inheritance</a:t>
+            </a:r>
+            <a:r>
+              <a:rPr lang="en-US" sz="800" dirty="0"/>
+              <a:t>: Over-reliance on inheritance can sometimes limit flexibility. It’s often more effective to use composition, but this is not always recognized in early OOP designs.</a:t>
+            </a:r>
+          </a:p>
+          <a:p>
+            <a:r>
+              <a:rPr lang="en-US" sz="900" b="1" dirty="0"/>
+              <a:t>9. Concurrency and Parallelism Issues</a:t>
+            </a:r>
+          </a:p>
+          <a:p>
+            <a:pPr lvl="1"/>
+            <a:r>
+              <a:rPr lang="en-US" sz="800" b="1" dirty="0"/>
+              <a:t>Concurrency difficulties</a:t>
+            </a:r>
+            <a:r>
+              <a:rPr lang="en-US" sz="800" dirty="0"/>
+              <a:t>: Objects encapsulate both data and behavior, making it harder to manage state in a multithreaded or concurrent environment, where shared state among objects can lead to issues like race conditions or deadlocks.</a:t>
+            </a:r>
+          </a:p>
+          <a:p>
+            <a:endParaRPr lang="en-US" sz="900" dirty="0"/>
           </a:p>
         </p:txBody>
       </p:sp>
     </p:spTree>
     <p:extLst>
       <p:ext uri="{BB962C8B-B14F-4D97-AF65-F5344CB8AC3E}">
-        <p14:creationId xmlns:p14="http://schemas.microsoft.com/office/powerpoint/2010/main" val="3484000075"/>
+        <p14:creationId xmlns:p14="http://schemas.microsoft.com/office/powerpoint/2010/main" val="2855251868"/>
       </p:ext>
     </p:extLst>
   </p:cSld>
@@ -6190,7 +6465,7 @@
           <p:cNvPr id="2" name="Title 1">
             <a:extLst>
               <a:ext uri="{FF2B5EF4-FFF2-40B4-BE49-F238E27FC236}">
-                <a16:creationId xmlns:a16="http://schemas.microsoft.com/office/drawing/2014/main" id="{387EAC1C-BD4A-DAF4-48A1-29F73E628BB0}"/>
+                <a16:creationId xmlns:a16="http://schemas.microsoft.com/office/drawing/2014/main" id="{7D8BC87E-041D-66E7-995D-0325FB9270D2}"/>
               </a:ext>
             </a:extLst>
           </p:cNvPr>
@@ -6218,7 +6493,7 @@
           <p:cNvPr id="3" name="Content Placeholder 2">
             <a:extLst>
               <a:ext uri="{FF2B5EF4-FFF2-40B4-BE49-F238E27FC236}">
-                <a16:creationId xmlns:a16="http://schemas.microsoft.com/office/drawing/2014/main" id="{6CF25170-4D4A-712B-72C8-F0C7DB17A233}"/>
+                <a16:creationId xmlns:a16="http://schemas.microsoft.com/office/drawing/2014/main" id="{4C60ABCF-7295-8D04-5453-03A77192404C}"/>
               </a:ext>
             </a:extLst>
           </p:cNvPr>
@@ -6229,80 +6504,100 @@
             <p:ph idx="1"/>
           </p:nvPr>
         </p:nvSpPr>
-        <p:spPr>
-          <a:xfrm>
-            <a:off x="838200" y="1830388"/>
-            <a:ext cx="10515600" cy="4351338"/>
-          </a:xfrm>
-        </p:spPr>
+        <p:spPr/>
         <p:txBody>
           <a:bodyPr/>
           <a:lstStyle/>
           <a:p>
             <a:r>
               <a:rPr lang="en-US" dirty="0"/>
-              <a:t>Volatility “happens” at independent axes.</a:t>
+              <a:t>A decomposition into modules based on areas of potential change encapsulation.</a:t>
+            </a:r>
+          </a:p>
+          <a:p>
+            <a:r>
+              <a:rPr lang="en-US" dirty="0"/>
+              <a:t>E.g. high-volatility in power</a:t>
             </a:r>
           </a:p>
           <a:p>
             <a:pPr lvl="1"/>
             <a:r>
               <a:rPr lang="en-US" dirty="0"/>
-              <a:t>E.g., different customers have different expectations.</a:t>
-            </a:r>
-          </a:p>
-          <a:p>
-            <a:pPr lvl="2"/>
-            <a:r>
-              <a:rPr lang="en-US" dirty="0"/>
-              <a:t>Can I reuse the module for a different customer?</a:t>
-            </a:r>
-          </a:p>
-          <a:p>
-            <a:pPr lvl="2"/>
-            <a:r>
-              <a:rPr lang="en-US" dirty="0"/>
-              <a:t>Volatilities: structure, neighbors, city, …</a:t>
-            </a:r>
+              <a:t>Different sources, connectivity, and a power socket as interface.</a:t>
+            </a:r>
+          </a:p>
+          <a:p>
+            <a:r>
+              <a:rPr lang="en-US" dirty="0"/>
+              <a:t>Changes are contained in a single module – no side effects outside module boundary.</a:t>
+            </a:r>
+          </a:p>
+          <a:p>
+            <a:r>
+              <a:rPr lang="en-US" dirty="0">
+                <a:hlinkClick r:id="rId2"/>
+              </a:rPr>
+              <a:t>On the criteria to be used in decomposing systems into modules</a:t>
+            </a:r>
+            <a:endParaRPr lang="en-US" dirty="0"/>
           </a:p>
           <a:p>
             <a:pPr lvl="1"/>
             <a:r>
               <a:rPr lang="en-US" dirty="0"/>
-              <a:t>E.g., the same customer changes requirements over time.</a:t>
-            </a:r>
-          </a:p>
-          <a:p>
-            <a:pPr lvl="2"/>
-            <a:r>
-              <a:rPr lang="en-US" dirty="0"/>
-              <a:t>Can I use the module for this customer forever?</a:t>
-            </a:r>
-          </a:p>
-          <a:p>
-            <a:pPr lvl="2"/>
-            <a:r>
-              <a:rPr lang="en-US" dirty="0"/>
-              <a:t>Volatilities: furniture, occupants, appliances, utilities, …</a:t>
-            </a:r>
-          </a:p>
-          <a:p>
-            <a:r>
-              <a:rPr lang="en-US" dirty="0"/>
-              <a:t>The </a:t>
-            </a:r>
-            <a:r>
-              <a:rPr lang="en-US"/>
-              <a:t>required behavior is accomplished by an interaction between encapsulated areas of volatility.</a:t>
-            </a:r>
-            <a:endParaRPr lang="en-US" dirty="0"/>
-          </a:p>
-        </p:txBody>
-      </p:sp>
+              <a:t>Can be found on the course website.</a:t>
+            </a:r>
+          </a:p>
+          <a:p>
+            <a:pPr lvl="1"/>
+            <a:r>
+              <a:rPr lang="en-US" dirty="0"/>
+              <a:t>“decomposition was made using ‘information hiding’ as a criterion”.</a:t>
+            </a:r>
+          </a:p>
+        </p:txBody>
+      </p:sp>
+      <p:pic>
+        <p:nvPicPr>
+          <p:cNvPr id="4" name="Graphic 3" descr="High voltage outline">
+            <a:extLst>
+              <a:ext uri="{FF2B5EF4-FFF2-40B4-BE49-F238E27FC236}">
+                <a16:creationId xmlns:a16="http://schemas.microsoft.com/office/drawing/2014/main" id="{EB6F4183-070E-B2BE-B57B-5F488F111CD3}"/>
+              </a:ext>
+            </a:extLst>
+          </p:cNvPr>
+          <p:cNvPicPr>
+            <a:picLocks noChangeAspect="1"/>
+          </p:cNvPicPr>
+          <p:nvPr/>
+        </p:nvPicPr>
+        <p:blipFill>
+          <a:blip r:embed="rId3">
+            <a:extLst>
+              <a:ext uri="{96DAC541-7B7A-43D3-8B79-37D633B846F1}">
+                <asvg:svgBlip xmlns:asvg="http://schemas.microsoft.com/office/drawing/2016/SVG/main" r:embed="rId4"/>
+              </a:ext>
+            </a:extLst>
+          </a:blip>
+          <a:stretch>
+            <a:fillRect/>
+          </a:stretch>
+        </p:blipFill>
+        <p:spPr>
+          <a:xfrm>
+            <a:off x="5331097" y="2752821"/>
+            <a:ext cx="389967" cy="389967"/>
+          </a:xfrm>
+          <a:prstGeom prst="rect">
+            <a:avLst/>
+          </a:prstGeom>
+        </p:spPr>
+      </p:pic>
     </p:spTree>
     <p:extLst>
       <p:ext uri="{BB962C8B-B14F-4D97-AF65-F5344CB8AC3E}">
-        <p14:creationId xmlns:p14="http://schemas.microsoft.com/office/powerpoint/2010/main" val="1540636113"/>
+        <p14:creationId xmlns:p14="http://schemas.microsoft.com/office/powerpoint/2010/main" val="2442915239"/>
       </p:ext>
     </p:extLst>
   </p:cSld>
@@ -6334,7 +6629,7 @@
           <p:cNvPr id="2" name="Title 1">
             <a:extLst>
               <a:ext uri="{FF2B5EF4-FFF2-40B4-BE49-F238E27FC236}">
-                <a16:creationId xmlns:a16="http://schemas.microsoft.com/office/drawing/2014/main" id="{42CE6569-18E4-1052-C811-1928B4C327F7}"/>
+                <a16:creationId xmlns:a16="http://schemas.microsoft.com/office/drawing/2014/main" id="{FC1DB036-F201-F4F6-F488-F0434FC2E07C}"/>
               </a:ext>
             </a:extLst>
           </p:cNvPr>
@@ -6351,8 +6646,8 @@
           <a:lstStyle/>
           <a:p>
             <a:r>
-              <a:rPr lang="en-US"/>
-              <a:t>Identifying volatility</a:t>
+              <a:rPr lang="en-US" dirty="0"/>
+              <a:t>Volatility-based decomposition</a:t>
             </a:r>
           </a:p>
         </p:txBody>
@@ -6362,7 +6657,7 @@
           <p:cNvPr id="3" name="Content Placeholder 2">
             <a:extLst>
               <a:ext uri="{FF2B5EF4-FFF2-40B4-BE49-F238E27FC236}">
-                <a16:creationId xmlns:a16="http://schemas.microsoft.com/office/drawing/2014/main" id="{2D04078A-E035-7C36-88BF-7CE003524270}"/>
+                <a16:creationId xmlns:a16="http://schemas.microsoft.com/office/drawing/2014/main" id="{8BD6822C-9CF7-54F0-25F2-E19DF761C200}"/>
               </a:ext>
             </a:extLst>
           </p:cNvPr>
@@ -6380,15 +6675,52 @@
           <a:p>
             <a:r>
               <a:rPr lang="en-US" dirty="0"/>
-              <a:t>What are volatility areas for Git?</a:t>
-            </a:r>
+              <a:t>Volatility is </a:t>
+            </a:r>
+            <a:r>
+              <a:rPr lang="en-US" b="1" dirty="0"/>
+              <a:t>not</a:t>
+            </a:r>
+            <a:r>
+              <a:rPr lang="en-US" dirty="0"/>
+              <a:t> self-evident.</a:t>
+            </a:r>
+          </a:p>
+          <a:p>
+            <a:r>
+              <a:rPr lang="en-US" dirty="0"/>
+              <a:t>Volatility is identified during requirements analysis process.</a:t>
+            </a:r>
+          </a:p>
+          <a:p>
+            <a:r>
+              <a:rPr lang="en-US" dirty="0"/>
+              <a:t>Change and volatility are different.</a:t>
+            </a:r>
+          </a:p>
+          <a:p>
+            <a:pPr lvl="1"/>
+            <a:r>
+              <a:rPr lang="en-US" dirty="0"/>
+              <a:t>Change produce conditional logic.</a:t>
+            </a:r>
+          </a:p>
+          <a:p>
+            <a:pPr lvl="1"/>
+            <a:r>
+              <a:rPr lang="en-US" dirty="0"/>
+              <a:t>Volatility requires encapsulation.</a:t>
+            </a:r>
+          </a:p>
+          <a:p>
+            <a:endParaRPr lang="ru-RU" dirty="0"/>
           </a:p>
         </p:txBody>
       </p:sp>
     </p:spTree>
     <p:extLst>
       <p:ext uri="{BB962C8B-B14F-4D97-AF65-F5344CB8AC3E}">
-        <p14:creationId xmlns:p14="http://schemas.microsoft.com/office/powerpoint/2010/main" val="3229334436"/>
+        <p14:creationId xmlns:p14="http://schemas.microsoft.com/office/powerpoint/2010/main" val="3484000075"/>
       </p:ext>
     </p:extLst>
   </p:cSld>
@@ -6420,7 +6752,7 @@
           <p:cNvPr id="2" name="Title 1">
             <a:extLst>
               <a:ext uri="{FF2B5EF4-FFF2-40B4-BE49-F238E27FC236}">
-                <a16:creationId xmlns:a16="http://schemas.microsoft.com/office/drawing/2014/main" id="{42CE6569-18E4-1052-C811-1928B4C327F7}"/>
+                <a16:creationId xmlns:a16="http://schemas.microsoft.com/office/drawing/2014/main" id="{387EAC1C-BD4A-DAF4-48A1-29F73E628BB0}"/>
               </a:ext>
             </a:extLst>
           </p:cNvPr>
@@ -6437,98 +6769,102 @@
           <a:lstStyle/>
           <a:p>
             <a:r>
+              <a:rPr lang="en-US" dirty="0"/>
+              <a:t>Volatility-based decomposition</a:t>
+            </a:r>
+          </a:p>
+        </p:txBody>
+      </p:sp>
+      <p:sp>
+        <p:nvSpPr>
+          <p:cNvPr id="3" name="Content Placeholder 2">
+            <a:extLst>
+              <a:ext uri="{FF2B5EF4-FFF2-40B4-BE49-F238E27FC236}">
+                <a16:creationId xmlns:a16="http://schemas.microsoft.com/office/drawing/2014/main" id="{6CF25170-4D4A-712B-72C8-F0C7DB17A233}"/>
+              </a:ext>
+            </a:extLst>
+          </p:cNvPr>
+          <p:cNvSpPr>
+            <a:spLocks noGrp="1"/>
+          </p:cNvSpPr>
+          <p:nvPr>
+            <p:ph idx="1"/>
+          </p:nvPr>
+        </p:nvSpPr>
+        <p:spPr>
+          <a:xfrm>
+            <a:off x="838200" y="1830388"/>
+            <a:ext cx="10515600" cy="4351338"/>
+          </a:xfrm>
+        </p:spPr>
+        <p:txBody>
+          <a:bodyPr/>
+          <a:lstStyle/>
+          <a:p>
+            <a:r>
+              <a:rPr lang="en-US" dirty="0"/>
+              <a:t>Volatility “happens” at independent axes.</a:t>
+            </a:r>
+          </a:p>
+          <a:p>
+            <a:pPr lvl="1"/>
+            <a:r>
+              <a:rPr lang="en-US" dirty="0"/>
+              <a:t>E.g., different customers have different expectations.</a:t>
+            </a:r>
+          </a:p>
+          <a:p>
+            <a:pPr lvl="2"/>
+            <a:r>
+              <a:rPr lang="en-US" dirty="0"/>
+              <a:t>Can I reuse the module for a different customer?</a:t>
+            </a:r>
+          </a:p>
+          <a:p>
+            <a:pPr lvl="2"/>
+            <a:r>
+              <a:rPr lang="en-US" dirty="0"/>
+              <a:t>Volatilities: structure, neighbors, city, …</a:t>
+            </a:r>
+          </a:p>
+          <a:p>
+            <a:pPr lvl="1"/>
+            <a:r>
+              <a:rPr lang="en-US" dirty="0"/>
+              <a:t>E.g., the same customer changes requirements over time.</a:t>
+            </a:r>
+          </a:p>
+          <a:p>
+            <a:pPr lvl="2"/>
+            <a:r>
+              <a:rPr lang="en-US" dirty="0"/>
+              <a:t>Can I use the module for this customer forever?</a:t>
+            </a:r>
+          </a:p>
+          <a:p>
+            <a:pPr lvl="2"/>
+            <a:r>
+              <a:rPr lang="en-US" dirty="0"/>
+              <a:t>Volatilities: furniture, occupants, appliances, utilities, …</a:t>
+            </a:r>
+          </a:p>
+          <a:p>
+            <a:r>
+              <a:rPr lang="en-US" dirty="0"/>
+              <a:t>The </a:t>
+            </a:r>
+            <a:r>
               <a:rPr lang="en-US"/>
-              <a:t>Identifying volatility</a:t>
-            </a:r>
-          </a:p>
-        </p:txBody>
-      </p:sp>
-      <p:sp>
-        <p:nvSpPr>
-          <p:cNvPr id="3" name="Content Placeholder 2">
-            <a:extLst>
-              <a:ext uri="{FF2B5EF4-FFF2-40B4-BE49-F238E27FC236}">
-                <a16:creationId xmlns:a16="http://schemas.microsoft.com/office/drawing/2014/main" id="{2D04078A-E035-7C36-88BF-7CE003524270}"/>
-              </a:ext>
-            </a:extLst>
-          </p:cNvPr>
-          <p:cNvSpPr>
-            <a:spLocks noGrp="1"/>
-          </p:cNvSpPr>
-          <p:nvPr>
-            <p:ph idx="1"/>
-          </p:nvPr>
-        </p:nvSpPr>
-        <p:spPr/>
-        <p:txBody>
-          <a:bodyPr>
-            <a:normAutofit lnSpcReduction="10000"/>
-          </a:bodyPr>
-          <a:lstStyle/>
-          <a:p>
-            <a:r>
-              <a:rPr lang="en-US"/>
-              <a:t>What are volatility areas for Git?</a:t>
-            </a:r>
-          </a:p>
-          <a:p>
-            <a:pPr lvl="1"/>
-            <a:r>
-              <a:rPr lang="en-US"/>
-              <a:t>User volatility. Users of basic functionality to track their records. Large-scale enterprises building software projects. Language preferences.</a:t>
-            </a:r>
-          </a:p>
-          <a:p>
-            <a:pPr lvl="1"/>
-            <a:r>
-              <a:rPr lang="en-US"/>
-              <a:t>Client volatility. Automation applications (e.g., CI/CD). Command line vs high-level GUI tools.</a:t>
-            </a:r>
-          </a:p>
-          <a:p>
-            <a:pPr lvl="1"/>
-            <a:r>
-              <a:rPr lang="en-US"/>
-              <a:t>Operating environment volatility. Operating system, filesystem, memory capacity, distributed storage, compression libraries, etc.</a:t>
-            </a:r>
-          </a:p>
-          <a:p>
-            <a:pPr lvl="1"/>
-            <a:r>
-              <a:rPr lang="en-US"/>
-              <a:t>Content volatility. File types, sizes.</a:t>
-            </a:r>
-          </a:p>
-          <a:p>
-            <a:pPr lvl="1"/>
-            <a:r>
-              <a:rPr lang="en-US"/>
-              <a:t>Connection/synchronization volatility. Multiple asynchronous commits from different users.</a:t>
-            </a:r>
-          </a:p>
-          <a:p>
-            <a:pPr lvl="1"/>
-            <a:r>
-              <a:rPr lang="en-US"/>
-              <a:t>Security. Protocol version. Local/remote.</a:t>
-            </a:r>
-          </a:p>
-          <a:p>
-            <a:pPr lvl="1"/>
-            <a:r>
-              <a:rPr lang="en-US"/>
-              <a:t>…</a:t>
-            </a:r>
-          </a:p>
-          <a:p>
-            <a:endParaRPr lang="en-US"/>
+              <a:t>required behavior is accomplished by an interaction between encapsulated areas of volatility.</a:t>
+            </a:r>
+            <a:endParaRPr lang="en-US" dirty="0"/>
           </a:p>
         </p:txBody>
       </p:sp>
     </p:spTree>
     <p:extLst>
       <p:ext uri="{BB962C8B-B14F-4D97-AF65-F5344CB8AC3E}">
-        <p14:creationId xmlns:p14="http://schemas.microsoft.com/office/powerpoint/2010/main" val="597586700"/>
+        <p14:creationId xmlns:p14="http://schemas.microsoft.com/office/powerpoint/2010/main" val="1540636113"/>
       </p:ext>
     </p:extLst>
   </p:cSld>
@@ -6560,7 +6896,7 @@
           <p:cNvPr id="2" name="Title 1">
             <a:extLst>
               <a:ext uri="{FF2B5EF4-FFF2-40B4-BE49-F238E27FC236}">
-                <a16:creationId xmlns:a16="http://schemas.microsoft.com/office/drawing/2014/main" id="{25278BA3-F2C2-CE64-1311-40F2728315F4}"/>
+                <a16:creationId xmlns:a16="http://schemas.microsoft.com/office/drawing/2014/main" id="{42CE6569-18E4-1052-C811-1928B4C327F7}"/>
               </a:ext>
             </a:extLst>
           </p:cNvPr>
@@ -6578,17 +6914,17 @@
           <a:p>
             <a:r>
               <a:rPr lang="en-US"/>
-              <a:t>System decomposition</a:t>
-            </a:r>
-          </a:p>
-        </p:txBody>
-      </p:sp>
-      <p:sp>
-        <p:nvSpPr>
-          <p:cNvPr id="14" name="Content Placeholder 13">
-            <a:extLst>
-              <a:ext uri="{FF2B5EF4-FFF2-40B4-BE49-F238E27FC236}">
-                <a16:creationId xmlns:a16="http://schemas.microsoft.com/office/drawing/2014/main" id="{6B373797-2710-D9BB-0DEA-8DA649758D7F}"/>
+              <a:t>Identifying volatility</a:t>
+            </a:r>
+          </a:p>
+        </p:txBody>
+      </p:sp>
+      <p:sp>
+        <p:nvSpPr>
+          <p:cNvPr id="3" name="Content Placeholder 2">
+            <a:extLst>
+              <a:ext uri="{FF2B5EF4-FFF2-40B4-BE49-F238E27FC236}">
+                <a16:creationId xmlns:a16="http://schemas.microsoft.com/office/drawing/2014/main" id="{2D04078A-E035-7C36-88BF-7CE003524270}"/>
               </a:ext>
             </a:extLst>
           </p:cNvPr>
@@ -6596,426 +6932,17 @@
             <a:spLocks noGrp="1"/>
           </p:cNvSpPr>
           <p:nvPr>
-            <p:ph sz="half" idx="2"/>
+            <p:ph idx="1"/>
           </p:nvPr>
         </p:nvSpPr>
         <p:spPr/>
         <p:txBody>
-          <a:bodyPr>
-            <a:normAutofit fontScale="92500"/>
-          </a:bodyPr>
-          <a:lstStyle/>
-          <a:p>
-            <a:r>
-              <a:rPr lang="en-US"/>
-              <a:t>Based on volatility areas; not a one-to-one transition.</a:t>
-            </a:r>
-          </a:p>
-          <a:p>
-            <a:pPr lvl="1"/>
-            <a:r>
-              <a:rPr lang="en-US"/>
-              <a:t>Single component encapsulating more than one area (e.g., </a:t>
-            </a:r>
-            <a:r>
-              <a:rPr lang="en-US" err="1"/>
-              <a:t>fsmonitor</a:t>
-            </a:r>
-            <a:r>
-              <a:rPr lang="en-US"/>
-              <a:t>).</a:t>
-            </a:r>
-          </a:p>
-          <a:p>
-            <a:pPr lvl="1"/>
-            <a:r>
-              <a:rPr lang="en-US"/>
-              <a:t>Some areas expressed through not a component but an operational concept (e.g., environment + object access for commit amending).</a:t>
-            </a:r>
-          </a:p>
-          <a:p>
-            <a:r>
-              <a:rPr lang="en-US"/>
-              <a:t>Accessing blob objects make changing file type easy to accommodate.</a:t>
-            </a:r>
-          </a:p>
-        </p:txBody>
-      </p:sp>
-      <p:sp>
-        <p:nvSpPr>
-          <p:cNvPr id="4" name="Rectangle 3">
-            <a:extLst>
-              <a:ext uri="{FF2B5EF4-FFF2-40B4-BE49-F238E27FC236}">
-                <a16:creationId xmlns:a16="http://schemas.microsoft.com/office/drawing/2014/main" id="{9335C0A8-D338-642A-25DF-D293BB92DA18}"/>
-              </a:ext>
-            </a:extLst>
-          </p:cNvPr>
-          <p:cNvSpPr/>
-          <p:nvPr/>
-        </p:nvSpPr>
-        <p:spPr>
-          <a:xfrm>
-            <a:off x="1393116" y="5375424"/>
-            <a:ext cx="2130014" cy="457200"/>
-          </a:xfrm>
-          <a:prstGeom prst="rect">
-            <a:avLst/>
-          </a:prstGeom>
-        </p:spPr>
-        <p:style>
-          <a:lnRef idx="2">
-            <a:schemeClr val="accent1">
-              <a:shade val="15000"/>
-            </a:schemeClr>
-          </a:lnRef>
-          <a:fillRef idx="1">
-            <a:schemeClr val="accent1"/>
-          </a:fillRef>
-          <a:effectRef idx="0">
-            <a:schemeClr val="accent1"/>
-          </a:effectRef>
-          <a:fontRef idx="minor">
-            <a:schemeClr val="lt1"/>
-          </a:fontRef>
-        </p:style>
-        <p:txBody>
-          <a:bodyPr rtlCol="0" anchor="ctr"/>
-          <a:lstStyle/>
-          <a:p>
-            <a:pPr algn="ctr"/>
-            <a:r>
-              <a:rPr lang="en-US"/>
-              <a:t>Object storage</a:t>
-            </a:r>
-          </a:p>
-        </p:txBody>
-      </p:sp>
-      <p:sp>
-        <p:nvSpPr>
-          <p:cNvPr id="6" name="Rectangle 5">
-            <a:extLst>
-              <a:ext uri="{FF2B5EF4-FFF2-40B4-BE49-F238E27FC236}">
-                <a16:creationId xmlns:a16="http://schemas.microsoft.com/office/drawing/2014/main" id="{041F680F-C641-F6C5-B2DD-E063F8102B40}"/>
-              </a:ext>
-            </a:extLst>
-          </p:cNvPr>
-          <p:cNvSpPr/>
-          <p:nvPr/>
-        </p:nvSpPr>
-        <p:spPr>
-          <a:xfrm>
-            <a:off x="1042595" y="2166013"/>
-            <a:ext cx="2130014" cy="457200"/>
-          </a:xfrm>
-          <a:prstGeom prst="rect">
-            <a:avLst/>
-          </a:prstGeom>
-        </p:spPr>
-        <p:style>
-          <a:lnRef idx="2">
-            <a:schemeClr val="accent1">
-              <a:shade val="15000"/>
-            </a:schemeClr>
-          </a:lnRef>
-          <a:fillRef idx="1">
-            <a:schemeClr val="accent1"/>
-          </a:fillRef>
-          <a:effectRef idx="0">
-            <a:schemeClr val="accent1"/>
-          </a:effectRef>
-          <a:fontRef idx="minor">
-            <a:schemeClr val="lt1"/>
-          </a:fontRef>
-        </p:style>
-        <p:txBody>
-          <a:bodyPr rtlCol="0" anchor="ctr"/>
-          <a:lstStyle/>
-          <a:p>
-            <a:pPr algn="ctr"/>
-            <a:r>
-              <a:rPr lang="en-US"/>
-              <a:t>Command line</a:t>
-            </a:r>
-          </a:p>
-        </p:txBody>
-      </p:sp>
-      <p:sp>
-        <p:nvSpPr>
-          <p:cNvPr id="7" name="Rectangle 6">
-            <a:extLst>
-              <a:ext uri="{FF2B5EF4-FFF2-40B4-BE49-F238E27FC236}">
-                <a16:creationId xmlns:a16="http://schemas.microsoft.com/office/drawing/2014/main" id="{83BA318B-22F0-17F4-DCFA-8EEC826C4085}"/>
-              </a:ext>
-            </a:extLst>
-          </p:cNvPr>
-          <p:cNvSpPr/>
-          <p:nvPr/>
-        </p:nvSpPr>
-        <p:spPr>
-          <a:xfrm>
-            <a:off x="3523130" y="2166013"/>
-            <a:ext cx="2130014" cy="457200"/>
-          </a:xfrm>
-          <a:prstGeom prst="rect">
-            <a:avLst/>
-          </a:prstGeom>
-        </p:spPr>
-        <p:style>
-          <a:lnRef idx="2">
-            <a:schemeClr val="accent1">
-              <a:shade val="15000"/>
-            </a:schemeClr>
-          </a:lnRef>
-          <a:fillRef idx="1">
-            <a:schemeClr val="accent1"/>
-          </a:fillRef>
-          <a:effectRef idx="0">
-            <a:schemeClr val="accent1"/>
-          </a:effectRef>
-          <a:fontRef idx="minor">
-            <a:schemeClr val="lt1"/>
-          </a:fontRef>
-        </p:style>
-        <p:txBody>
-          <a:bodyPr rtlCol="0" anchor="ctr"/>
-          <a:lstStyle/>
-          <a:p>
-            <a:pPr algn="ctr"/>
-            <a:r>
-              <a:rPr lang="en-US"/>
-              <a:t>GUI App</a:t>
-            </a:r>
-          </a:p>
-        </p:txBody>
-      </p:sp>
-      <p:sp>
-        <p:nvSpPr>
-          <p:cNvPr id="9" name="Rectangle 8">
-            <a:extLst>
-              <a:ext uri="{FF2B5EF4-FFF2-40B4-BE49-F238E27FC236}">
-                <a16:creationId xmlns:a16="http://schemas.microsoft.com/office/drawing/2014/main" id="{80006EF5-4D78-880E-035D-DFC10B88CC60}"/>
-              </a:ext>
-            </a:extLst>
-          </p:cNvPr>
-          <p:cNvSpPr/>
-          <p:nvPr/>
-        </p:nvSpPr>
-        <p:spPr>
-          <a:xfrm>
-            <a:off x="1393116" y="4656938"/>
-            <a:ext cx="2130014" cy="457200"/>
-          </a:xfrm>
-          <a:prstGeom prst="rect">
-            <a:avLst/>
-          </a:prstGeom>
-        </p:spPr>
-        <p:style>
-          <a:lnRef idx="2">
-            <a:schemeClr val="accent1">
-              <a:shade val="15000"/>
-            </a:schemeClr>
-          </a:lnRef>
-          <a:fillRef idx="1">
-            <a:schemeClr val="accent1"/>
-          </a:fillRef>
-          <a:effectRef idx="0">
-            <a:schemeClr val="accent1"/>
-          </a:effectRef>
-          <a:fontRef idx="minor">
-            <a:schemeClr val="lt1"/>
-          </a:fontRef>
-        </p:style>
-        <p:txBody>
-          <a:bodyPr rtlCol="0" anchor="ctr"/>
-          <a:lstStyle/>
-          <a:p>
-            <a:pPr algn="ctr"/>
-            <a:r>
-              <a:rPr lang="en-US"/>
-              <a:t>Object access</a:t>
-            </a:r>
-          </a:p>
-        </p:txBody>
-      </p:sp>
-      <p:sp>
-        <p:nvSpPr>
-          <p:cNvPr id="10" name="Rectangle 9">
-            <a:extLst>
-              <a:ext uri="{FF2B5EF4-FFF2-40B4-BE49-F238E27FC236}">
-                <a16:creationId xmlns:a16="http://schemas.microsoft.com/office/drawing/2014/main" id="{593DC24E-30A0-84C3-9C89-E6A13BB36E98}"/>
-              </a:ext>
-            </a:extLst>
-          </p:cNvPr>
-          <p:cNvSpPr/>
-          <p:nvPr/>
-        </p:nvSpPr>
-        <p:spPr>
-          <a:xfrm>
-            <a:off x="1042595" y="2908908"/>
-            <a:ext cx="2130014" cy="457200"/>
-          </a:xfrm>
-          <a:prstGeom prst="rect">
-            <a:avLst/>
-          </a:prstGeom>
-        </p:spPr>
-        <p:style>
-          <a:lnRef idx="2">
-            <a:schemeClr val="accent1">
-              <a:shade val="15000"/>
-            </a:schemeClr>
-          </a:lnRef>
-          <a:fillRef idx="1">
-            <a:schemeClr val="accent1"/>
-          </a:fillRef>
-          <a:effectRef idx="0">
-            <a:schemeClr val="accent1"/>
-          </a:effectRef>
-          <a:fontRef idx="minor">
-            <a:schemeClr val="lt1"/>
-          </a:fontRef>
-        </p:style>
-        <p:txBody>
-          <a:bodyPr rtlCol="0" anchor="ctr"/>
-          <a:lstStyle/>
-          <a:p>
-            <a:pPr algn="ctr"/>
-            <a:r>
-              <a:rPr lang="en-US"/>
-              <a:t>Security</a:t>
-            </a:r>
-          </a:p>
-        </p:txBody>
-      </p:sp>
-      <p:sp>
-        <p:nvSpPr>
-          <p:cNvPr id="11" name="Rectangle 10">
-            <a:extLst>
-              <a:ext uri="{FF2B5EF4-FFF2-40B4-BE49-F238E27FC236}">
-                <a16:creationId xmlns:a16="http://schemas.microsoft.com/office/drawing/2014/main" id="{7448123F-528D-3075-314D-B43F9249B981}"/>
-              </a:ext>
-            </a:extLst>
-          </p:cNvPr>
-          <p:cNvSpPr/>
-          <p:nvPr/>
-        </p:nvSpPr>
-        <p:spPr>
-          <a:xfrm>
-            <a:off x="3523130" y="2908908"/>
-            <a:ext cx="2130014" cy="457200"/>
-          </a:xfrm>
-          <a:prstGeom prst="rect">
-            <a:avLst/>
-          </a:prstGeom>
-        </p:spPr>
-        <p:style>
-          <a:lnRef idx="2">
-            <a:schemeClr val="accent1">
-              <a:shade val="15000"/>
-            </a:schemeClr>
-          </a:lnRef>
-          <a:fillRef idx="1">
-            <a:schemeClr val="accent1"/>
-          </a:fillRef>
-          <a:effectRef idx="0">
-            <a:schemeClr val="accent1"/>
-          </a:effectRef>
-          <a:fontRef idx="minor">
-            <a:schemeClr val="lt1"/>
-          </a:fontRef>
-        </p:style>
-        <p:txBody>
-          <a:bodyPr rtlCol="0" anchor="ctr"/>
-          <a:lstStyle/>
-          <a:p>
-            <a:pPr algn="ctr"/>
-            <a:r>
-              <a:rPr lang="en-US"/>
-              <a:t>Environment</a:t>
-            </a:r>
-          </a:p>
-        </p:txBody>
-      </p:sp>
-      <p:sp>
-        <p:nvSpPr>
-          <p:cNvPr id="12" name="Rectangle 11">
-            <a:extLst>
-              <a:ext uri="{FF2B5EF4-FFF2-40B4-BE49-F238E27FC236}">
-                <a16:creationId xmlns:a16="http://schemas.microsoft.com/office/drawing/2014/main" id="{3FD3CB46-8564-725D-FC1A-E226EC8118B4}"/>
-              </a:ext>
-            </a:extLst>
-          </p:cNvPr>
-          <p:cNvSpPr/>
-          <p:nvPr/>
-        </p:nvSpPr>
-        <p:spPr>
-          <a:xfrm>
-            <a:off x="1393116" y="3938452"/>
-            <a:ext cx="2130014" cy="457200"/>
-          </a:xfrm>
-          <a:prstGeom prst="rect">
-            <a:avLst/>
-          </a:prstGeom>
-        </p:spPr>
-        <p:style>
-          <a:lnRef idx="2">
-            <a:schemeClr val="accent1">
-              <a:shade val="15000"/>
-            </a:schemeClr>
-          </a:lnRef>
-          <a:fillRef idx="1">
-            <a:schemeClr val="accent1"/>
-          </a:fillRef>
-          <a:effectRef idx="0">
-            <a:schemeClr val="accent1"/>
-          </a:effectRef>
-          <a:fontRef idx="minor">
-            <a:schemeClr val="lt1"/>
-          </a:fontRef>
-        </p:style>
-        <p:txBody>
-          <a:bodyPr rtlCol="0" anchor="ctr"/>
-          <a:lstStyle/>
-          <a:p>
-            <a:pPr algn="ctr"/>
-            <a:r>
-              <a:rPr lang="en-US" err="1"/>
-              <a:t>Fsmonitor</a:t>
-            </a:r>
-            <a:endParaRPr lang="en-US"/>
-          </a:p>
-        </p:txBody>
-      </p:sp>
-      <p:sp>
-        <p:nvSpPr>
-          <p:cNvPr id="13" name="TextBox 12">
-            <a:extLst>
-              <a:ext uri="{FF2B5EF4-FFF2-40B4-BE49-F238E27FC236}">
-                <a16:creationId xmlns:a16="http://schemas.microsoft.com/office/drawing/2014/main" id="{E9DC62CD-28F7-C7D3-17BB-E334E20C18CA}"/>
-              </a:ext>
-            </a:extLst>
-          </p:cNvPr>
-          <p:cNvSpPr txBox="1"/>
-          <p:nvPr/>
-        </p:nvSpPr>
-        <p:spPr>
-          <a:xfrm>
-            <a:off x="4324574" y="4509925"/>
-            <a:ext cx="2657139" cy="523220"/>
-          </a:xfrm>
-          <a:prstGeom prst="rect">
-            <a:avLst/>
-          </a:prstGeom>
-          <a:noFill/>
-        </p:spPr>
-        <p:txBody>
-          <a:bodyPr wrap="square" rtlCol="0">
-            <a:spAutoFit/>
-          </a:bodyPr>
-          <a:lstStyle/>
-          <a:p>
-            <a:r>
-              <a:rPr lang="en-US" sz="2800"/>
-              <a:t>…</a:t>
+          <a:bodyPr/>
+          <a:lstStyle/>
+          <a:p>
+            <a:r>
+              <a:rPr lang="en-US" dirty="0"/>
+              <a:t>What are volatility areas for Git?</a:t>
             </a:r>
           </a:p>
         </p:txBody>
@@ -7023,7 +6950,7 @@
     </p:spTree>
     <p:extLst>
       <p:ext uri="{BB962C8B-B14F-4D97-AF65-F5344CB8AC3E}">
-        <p14:creationId xmlns:p14="http://schemas.microsoft.com/office/powerpoint/2010/main" val="3109122757"/>
+        <p14:creationId xmlns:p14="http://schemas.microsoft.com/office/powerpoint/2010/main" val="3229334436"/>
       </p:ext>
     </p:extLst>
   </p:cSld>
@@ -7141,7 +7068,7 @@
           <p:cNvPr id="2" name="Title 1">
             <a:extLst>
               <a:ext uri="{FF2B5EF4-FFF2-40B4-BE49-F238E27FC236}">
-                <a16:creationId xmlns:a16="http://schemas.microsoft.com/office/drawing/2014/main" id="{F23F192C-6710-621C-00BA-11538956C294}"/>
+                <a16:creationId xmlns:a16="http://schemas.microsoft.com/office/drawing/2014/main" id="{42CE6569-18E4-1052-C811-1928B4C327F7}"/>
               </a:ext>
             </a:extLst>
           </p:cNvPr>
@@ -7159,17 +7086,17 @@
           <a:p>
             <a:r>
               <a:rPr lang="en-US"/>
-              <a:t>Just-enough SW architecture</a:t>
-            </a:r>
-          </a:p>
-        </p:txBody>
-      </p:sp>
-      <p:sp>
-        <p:nvSpPr>
-          <p:cNvPr id="5" name="Content Placeholder 4">
-            <a:extLst>
-              <a:ext uri="{FF2B5EF4-FFF2-40B4-BE49-F238E27FC236}">
-                <a16:creationId xmlns:a16="http://schemas.microsoft.com/office/drawing/2014/main" id="{499FC623-6EDC-6B50-7F69-2A6EAEE8FF3F}"/>
+              <a:t>Identifying volatility</a:t>
+            </a:r>
+          </a:p>
+        </p:txBody>
+      </p:sp>
+      <p:sp>
+        <p:nvSpPr>
+          <p:cNvPr id="3" name="Content Placeholder 2">
+            <a:extLst>
+              <a:ext uri="{FF2B5EF4-FFF2-40B4-BE49-F238E27FC236}">
+                <a16:creationId xmlns:a16="http://schemas.microsoft.com/office/drawing/2014/main" id="{2D04078A-E035-7C36-88BF-7CE003524270}"/>
               </a:ext>
             </a:extLst>
           </p:cNvPr>
@@ -7182,18 +7109,63 @@
         </p:nvSpPr>
         <p:spPr/>
         <p:txBody>
-          <a:bodyPr/>
+          <a:bodyPr>
+            <a:normAutofit lnSpcReduction="10000"/>
+          </a:bodyPr>
           <a:lstStyle/>
           <a:p>
             <a:r>
               <a:rPr lang="en-US"/>
-              <a:t>Rare changes should not be encapsulated.</a:t>
-            </a:r>
-          </a:p>
-          <a:p>
+              <a:t>What are volatility areas for Git?</a:t>
+            </a:r>
+          </a:p>
+          <a:p>
+            <a:pPr lvl="1"/>
             <a:r>
               <a:rPr lang="en-US"/>
-              <a:t>Speculative design increases system complexity.</a:t>
+              <a:t>User volatility. Users of basic functionality to track their records. Large-scale enterprises building software projects. Language preferences.</a:t>
+            </a:r>
+          </a:p>
+          <a:p>
+            <a:pPr lvl="1"/>
+            <a:r>
+              <a:rPr lang="en-US"/>
+              <a:t>Client volatility. Automation applications (e.g., CI/CD). Command line vs high-level GUI tools.</a:t>
+            </a:r>
+          </a:p>
+          <a:p>
+            <a:pPr lvl="1"/>
+            <a:r>
+              <a:rPr lang="en-US"/>
+              <a:t>Operating environment volatility. Operating system, filesystem, memory capacity, distributed storage, compression libraries, etc.</a:t>
+            </a:r>
+          </a:p>
+          <a:p>
+            <a:pPr lvl="1"/>
+            <a:r>
+              <a:rPr lang="en-US"/>
+              <a:t>Content volatility. File types, sizes.</a:t>
+            </a:r>
+          </a:p>
+          <a:p>
+            <a:pPr lvl="1"/>
+            <a:r>
+              <a:rPr lang="en-US"/>
+              <a:t>Connection/synchronization volatility. Multiple asynchronous commits from different users.</a:t>
+            </a:r>
+          </a:p>
+          <a:p>
+            <a:pPr lvl="1"/>
+            <a:r>
+              <a:rPr lang="en-US"/>
+              <a:t>Security. Protocol version. Local/remote.</a:t>
+            </a:r>
+          </a:p>
+          <a:p>
+            <a:pPr lvl="1"/>
+            <a:r>
+              <a:rPr lang="en-US"/>
+              <a:t>…</a:t>
             </a:r>
           </a:p>
           <a:p>
@@ -7204,7 +7176,7 @@
     </p:spTree>
     <p:extLst>
       <p:ext uri="{BB962C8B-B14F-4D97-AF65-F5344CB8AC3E}">
-        <p14:creationId xmlns:p14="http://schemas.microsoft.com/office/powerpoint/2010/main" val="2757867001"/>
+        <p14:creationId xmlns:p14="http://schemas.microsoft.com/office/powerpoint/2010/main" val="597586700"/>
       </p:ext>
     </p:extLst>
   </p:cSld>
@@ -7236,7 +7208,7 @@
           <p:cNvPr id="2" name="Title 1">
             <a:extLst>
               <a:ext uri="{FF2B5EF4-FFF2-40B4-BE49-F238E27FC236}">
-                <a16:creationId xmlns:a16="http://schemas.microsoft.com/office/drawing/2014/main" id="{C1769F55-8449-ED80-5A60-719080DB1A10}"/>
+                <a16:creationId xmlns:a16="http://schemas.microsoft.com/office/drawing/2014/main" id="{25278BA3-F2C2-CE64-1311-40F2728315F4}"/>
               </a:ext>
             </a:extLst>
           </p:cNvPr>
@@ -7253,18 +7225,18 @@
           <a:lstStyle/>
           <a:p>
             <a:r>
-              <a:rPr lang="en-US" dirty="0"/>
-              <a:t>EXAMPLE: FUNCTIONAL TRADING SYSTEM</a:t>
-            </a:r>
-          </a:p>
-        </p:txBody>
-      </p:sp>
-      <p:sp>
-        <p:nvSpPr>
-          <p:cNvPr id="3" name="Content Placeholder 2">
-            <a:extLst>
-              <a:ext uri="{FF2B5EF4-FFF2-40B4-BE49-F238E27FC236}">
-                <a16:creationId xmlns:a16="http://schemas.microsoft.com/office/drawing/2014/main" id="{947B985C-1F02-4BE3-0C41-47F5FFBE7888}"/>
+              <a:rPr lang="en-US"/>
+              <a:t>System decomposition</a:t>
+            </a:r>
+          </a:p>
+        </p:txBody>
+      </p:sp>
+      <p:sp>
+        <p:nvSpPr>
+          <p:cNvPr id="14" name="Content Placeholder 13">
+            <a:extLst>
+              <a:ext uri="{FF2B5EF4-FFF2-40B4-BE49-F238E27FC236}">
+                <a16:creationId xmlns:a16="http://schemas.microsoft.com/office/drawing/2014/main" id="{6B373797-2710-D9BB-0DEA-8DA649758D7F}"/>
               </a:ext>
             </a:extLst>
           </p:cNvPr>
@@ -7272,110 +7244,401 @@
             <a:spLocks noGrp="1"/>
           </p:cNvSpPr>
           <p:nvPr>
-            <p:ph idx="1"/>
-          </p:nvPr>
-        </p:nvSpPr>
-        <p:spPr>
-          <a:xfrm>
-            <a:off x="838200" y="1825625"/>
-            <a:ext cx="6320118" cy="4351338"/>
-          </a:xfrm>
-        </p:spPr>
+            <p:ph sz="half" idx="2"/>
+          </p:nvPr>
+        </p:nvSpPr>
+        <p:spPr/>
         <p:txBody>
           <a:bodyPr>
-            <a:normAutofit fontScale="77500" lnSpcReduction="20000"/>
+            <a:normAutofit fontScale="92500"/>
           </a:bodyPr>
           <a:lstStyle/>
           <a:p>
             <a:r>
-              <a:rPr lang="en-US" dirty="0"/>
-              <a:t>The system should enable in-house traders to:</a:t>
+              <a:rPr lang="en-US"/>
+              <a:t>Based on volatility areas; not a one-to-one transition.</a:t>
             </a:r>
           </a:p>
           <a:p>
             <a:pPr lvl="1"/>
             <a:r>
-              <a:rPr lang="en-US" dirty="0"/>
-              <a:t>Buy and sell stocks</a:t>
+              <a:rPr lang="en-US"/>
+              <a:t>Single component encapsulating more than one area (e.g., </a:t>
+            </a:r>
+            <a:r>
+              <a:rPr lang="en-US" err="1"/>
+              <a:t>fsmonitor</a:t>
+            </a:r>
+            <a:r>
+              <a:rPr lang="en-US"/>
+              <a:t>).</a:t>
             </a:r>
           </a:p>
           <a:p>
             <a:pPr lvl="1"/>
             <a:r>
-              <a:rPr lang="en-US" dirty="0"/>
-              <a:t>Schedule trades</a:t>
-            </a:r>
-          </a:p>
-          <a:p>
-            <a:pPr lvl="1"/>
-            <a:r>
-              <a:rPr lang="en-US" dirty="0"/>
-              <a:t>Issue reports</a:t>
-            </a:r>
-          </a:p>
-          <a:p>
-            <a:pPr lvl="1"/>
-            <a:r>
-              <a:rPr lang="en-US" dirty="0"/>
-              <a:t>Analyze the trades</a:t>
-            </a:r>
-          </a:p>
-          <a:p>
-            <a:r>
-              <a:rPr lang="en-US" dirty="0"/>
-              <a:t>The users of the system utilize a browser to connect to the system and manage connected sessions, completing a form and submitting the request.</a:t>
-            </a:r>
-          </a:p>
-          <a:p>
-            <a:r>
-              <a:rPr lang="en-US" dirty="0"/>
-              <a:t>After a trade, report, or analysis request, the system sends an email to the users confirming their request or containing the results.</a:t>
-            </a:r>
-          </a:p>
-          <a:p>
-            <a:r>
-              <a:rPr lang="en-US" dirty="0"/>
-              <a:t>The data should be stored in a local database.</a:t>
-            </a:r>
-          </a:p>
-        </p:txBody>
-      </p:sp>
-      <p:pic>
-        <p:nvPicPr>
-          <p:cNvPr id="5" name="Picture 4">
-            <a:extLst>
-              <a:ext uri="{FF2B5EF4-FFF2-40B4-BE49-F238E27FC236}">
-                <a16:creationId xmlns:a16="http://schemas.microsoft.com/office/drawing/2014/main" id="{80DCFF9A-3CE3-9C13-9E8F-F37891B74727}"/>
-              </a:ext>
-            </a:extLst>
-          </p:cNvPr>
-          <p:cNvPicPr>
-            <a:picLocks noChangeAspect="1"/>
-          </p:cNvPicPr>
+              <a:rPr lang="en-US"/>
+              <a:t>Some areas expressed through not a component but an operational concept (e.g., environment + object access for commit amending).</a:t>
+            </a:r>
+          </a:p>
+          <a:p>
+            <a:r>
+              <a:rPr lang="en-US"/>
+              <a:t>Accessing blob objects make changing file type easy to accommodate.</a:t>
+            </a:r>
+          </a:p>
+        </p:txBody>
+      </p:sp>
+      <p:sp>
+        <p:nvSpPr>
+          <p:cNvPr id="4" name="Rectangle 3">
+            <a:extLst>
+              <a:ext uri="{FF2B5EF4-FFF2-40B4-BE49-F238E27FC236}">
+                <a16:creationId xmlns:a16="http://schemas.microsoft.com/office/drawing/2014/main" id="{9335C0A8-D338-642A-25DF-D293BB92DA18}"/>
+              </a:ext>
+            </a:extLst>
+          </p:cNvPr>
+          <p:cNvSpPr/>
           <p:nvPr/>
-        </p:nvPicPr>
-        <p:blipFill>
-          <a:blip r:embed="rId2"/>
-          <a:stretch>
-            <a:fillRect/>
-          </a:stretch>
-        </p:blipFill>
-        <p:spPr>
-          <a:xfrm>
-            <a:off x="7158318" y="1690688"/>
-            <a:ext cx="4373401" cy="3199559"/>
+        </p:nvSpPr>
+        <p:spPr>
+          <a:xfrm>
+            <a:off x="1393116" y="5375424"/>
+            <a:ext cx="2130014" cy="457200"/>
           </a:xfrm>
           <a:prstGeom prst="rect">
             <a:avLst/>
           </a:prstGeom>
         </p:spPr>
-      </p:pic>
-      <p:sp>
-        <p:nvSpPr>
-          <p:cNvPr id="6" name="TextBox 5">
-            <a:extLst>
-              <a:ext uri="{FF2B5EF4-FFF2-40B4-BE49-F238E27FC236}">
-                <a16:creationId xmlns:a16="http://schemas.microsoft.com/office/drawing/2014/main" id="{DE00B148-5C72-B93F-2011-1EA07127B0E3}"/>
+        <p:style>
+          <a:lnRef idx="2">
+            <a:schemeClr val="accent1">
+              <a:shade val="15000"/>
+            </a:schemeClr>
+          </a:lnRef>
+          <a:fillRef idx="1">
+            <a:schemeClr val="accent1"/>
+          </a:fillRef>
+          <a:effectRef idx="0">
+            <a:schemeClr val="accent1"/>
+          </a:effectRef>
+          <a:fontRef idx="minor">
+            <a:schemeClr val="lt1"/>
+          </a:fontRef>
+        </p:style>
+        <p:txBody>
+          <a:bodyPr rtlCol="0" anchor="ctr"/>
+          <a:lstStyle/>
+          <a:p>
+            <a:pPr algn="ctr"/>
+            <a:r>
+              <a:rPr lang="en-US"/>
+              <a:t>Object storage</a:t>
+            </a:r>
+          </a:p>
+        </p:txBody>
+      </p:sp>
+      <p:sp>
+        <p:nvSpPr>
+          <p:cNvPr id="6" name="Rectangle 5">
+            <a:extLst>
+              <a:ext uri="{FF2B5EF4-FFF2-40B4-BE49-F238E27FC236}">
+                <a16:creationId xmlns:a16="http://schemas.microsoft.com/office/drawing/2014/main" id="{041F680F-C641-F6C5-B2DD-E063F8102B40}"/>
+              </a:ext>
+            </a:extLst>
+          </p:cNvPr>
+          <p:cNvSpPr/>
+          <p:nvPr/>
+        </p:nvSpPr>
+        <p:spPr>
+          <a:xfrm>
+            <a:off x="1042595" y="2166013"/>
+            <a:ext cx="2130014" cy="457200"/>
+          </a:xfrm>
+          <a:prstGeom prst="rect">
+            <a:avLst/>
+          </a:prstGeom>
+        </p:spPr>
+        <p:style>
+          <a:lnRef idx="2">
+            <a:schemeClr val="accent1">
+              <a:shade val="15000"/>
+            </a:schemeClr>
+          </a:lnRef>
+          <a:fillRef idx="1">
+            <a:schemeClr val="accent1"/>
+          </a:fillRef>
+          <a:effectRef idx="0">
+            <a:schemeClr val="accent1"/>
+          </a:effectRef>
+          <a:fontRef idx="minor">
+            <a:schemeClr val="lt1"/>
+          </a:fontRef>
+        </p:style>
+        <p:txBody>
+          <a:bodyPr rtlCol="0" anchor="ctr"/>
+          <a:lstStyle/>
+          <a:p>
+            <a:pPr algn="ctr"/>
+            <a:r>
+              <a:rPr lang="en-US"/>
+              <a:t>Command line</a:t>
+            </a:r>
+          </a:p>
+        </p:txBody>
+      </p:sp>
+      <p:sp>
+        <p:nvSpPr>
+          <p:cNvPr id="7" name="Rectangle 6">
+            <a:extLst>
+              <a:ext uri="{FF2B5EF4-FFF2-40B4-BE49-F238E27FC236}">
+                <a16:creationId xmlns:a16="http://schemas.microsoft.com/office/drawing/2014/main" id="{83BA318B-22F0-17F4-DCFA-8EEC826C4085}"/>
+              </a:ext>
+            </a:extLst>
+          </p:cNvPr>
+          <p:cNvSpPr/>
+          <p:nvPr/>
+        </p:nvSpPr>
+        <p:spPr>
+          <a:xfrm>
+            <a:off x="3523130" y="2166013"/>
+            <a:ext cx="2130014" cy="457200"/>
+          </a:xfrm>
+          <a:prstGeom prst="rect">
+            <a:avLst/>
+          </a:prstGeom>
+        </p:spPr>
+        <p:style>
+          <a:lnRef idx="2">
+            <a:schemeClr val="accent1">
+              <a:shade val="15000"/>
+            </a:schemeClr>
+          </a:lnRef>
+          <a:fillRef idx="1">
+            <a:schemeClr val="accent1"/>
+          </a:fillRef>
+          <a:effectRef idx="0">
+            <a:schemeClr val="accent1"/>
+          </a:effectRef>
+          <a:fontRef idx="minor">
+            <a:schemeClr val="lt1"/>
+          </a:fontRef>
+        </p:style>
+        <p:txBody>
+          <a:bodyPr rtlCol="0" anchor="ctr"/>
+          <a:lstStyle/>
+          <a:p>
+            <a:pPr algn="ctr"/>
+            <a:r>
+              <a:rPr lang="en-US"/>
+              <a:t>GUI App</a:t>
+            </a:r>
+          </a:p>
+        </p:txBody>
+      </p:sp>
+      <p:sp>
+        <p:nvSpPr>
+          <p:cNvPr id="9" name="Rectangle 8">
+            <a:extLst>
+              <a:ext uri="{FF2B5EF4-FFF2-40B4-BE49-F238E27FC236}">
+                <a16:creationId xmlns:a16="http://schemas.microsoft.com/office/drawing/2014/main" id="{80006EF5-4D78-880E-035D-DFC10B88CC60}"/>
+              </a:ext>
+            </a:extLst>
+          </p:cNvPr>
+          <p:cNvSpPr/>
+          <p:nvPr/>
+        </p:nvSpPr>
+        <p:spPr>
+          <a:xfrm>
+            <a:off x="1393116" y="4656938"/>
+            <a:ext cx="2130014" cy="457200"/>
+          </a:xfrm>
+          <a:prstGeom prst="rect">
+            <a:avLst/>
+          </a:prstGeom>
+        </p:spPr>
+        <p:style>
+          <a:lnRef idx="2">
+            <a:schemeClr val="accent1">
+              <a:shade val="15000"/>
+            </a:schemeClr>
+          </a:lnRef>
+          <a:fillRef idx="1">
+            <a:schemeClr val="accent1"/>
+          </a:fillRef>
+          <a:effectRef idx="0">
+            <a:schemeClr val="accent1"/>
+          </a:effectRef>
+          <a:fontRef idx="minor">
+            <a:schemeClr val="lt1"/>
+          </a:fontRef>
+        </p:style>
+        <p:txBody>
+          <a:bodyPr rtlCol="0" anchor="ctr"/>
+          <a:lstStyle/>
+          <a:p>
+            <a:pPr algn="ctr"/>
+            <a:r>
+              <a:rPr lang="en-US"/>
+              <a:t>Object access</a:t>
+            </a:r>
+          </a:p>
+        </p:txBody>
+      </p:sp>
+      <p:sp>
+        <p:nvSpPr>
+          <p:cNvPr id="10" name="Rectangle 9">
+            <a:extLst>
+              <a:ext uri="{FF2B5EF4-FFF2-40B4-BE49-F238E27FC236}">
+                <a16:creationId xmlns:a16="http://schemas.microsoft.com/office/drawing/2014/main" id="{593DC24E-30A0-84C3-9C89-E6A13BB36E98}"/>
+              </a:ext>
+            </a:extLst>
+          </p:cNvPr>
+          <p:cNvSpPr/>
+          <p:nvPr/>
+        </p:nvSpPr>
+        <p:spPr>
+          <a:xfrm>
+            <a:off x="1042595" y="2908908"/>
+            <a:ext cx="2130014" cy="457200"/>
+          </a:xfrm>
+          <a:prstGeom prst="rect">
+            <a:avLst/>
+          </a:prstGeom>
+        </p:spPr>
+        <p:style>
+          <a:lnRef idx="2">
+            <a:schemeClr val="accent1">
+              <a:shade val="15000"/>
+            </a:schemeClr>
+          </a:lnRef>
+          <a:fillRef idx="1">
+            <a:schemeClr val="accent1"/>
+          </a:fillRef>
+          <a:effectRef idx="0">
+            <a:schemeClr val="accent1"/>
+          </a:effectRef>
+          <a:fontRef idx="minor">
+            <a:schemeClr val="lt1"/>
+          </a:fontRef>
+        </p:style>
+        <p:txBody>
+          <a:bodyPr rtlCol="0" anchor="ctr"/>
+          <a:lstStyle/>
+          <a:p>
+            <a:pPr algn="ctr"/>
+            <a:r>
+              <a:rPr lang="en-US"/>
+              <a:t>Security</a:t>
+            </a:r>
+          </a:p>
+        </p:txBody>
+      </p:sp>
+      <p:sp>
+        <p:nvSpPr>
+          <p:cNvPr id="11" name="Rectangle 10">
+            <a:extLst>
+              <a:ext uri="{FF2B5EF4-FFF2-40B4-BE49-F238E27FC236}">
+                <a16:creationId xmlns:a16="http://schemas.microsoft.com/office/drawing/2014/main" id="{7448123F-528D-3075-314D-B43F9249B981}"/>
+              </a:ext>
+            </a:extLst>
+          </p:cNvPr>
+          <p:cNvSpPr/>
+          <p:nvPr/>
+        </p:nvSpPr>
+        <p:spPr>
+          <a:xfrm>
+            <a:off x="3523130" y="2908908"/>
+            <a:ext cx="2130014" cy="457200"/>
+          </a:xfrm>
+          <a:prstGeom prst="rect">
+            <a:avLst/>
+          </a:prstGeom>
+        </p:spPr>
+        <p:style>
+          <a:lnRef idx="2">
+            <a:schemeClr val="accent1">
+              <a:shade val="15000"/>
+            </a:schemeClr>
+          </a:lnRef>
+          <a:fillRef idx="1">
+            <a:schemeClr val="accent1"/>
+          </a:fillRef>
+          <a:effectRef idx="0">
+            <a:schemeClr val="accent1"/>
+          </a:effectRef>
+          <a:fontRef idx="minor">
+            <a:schemeClr val="lt1"/>
+          </a:fontRef>
+        </p:style>
+        <p:txBody>
+          <a:bodyPr rtlCol="0" anchor="ctr"/>
+          <a:lstStyle/>
+          <a:p>
+            <a:pPr algn="ctr"/>
+            <a:r>
+              <a:rPr lang="en-US"/>
+              <a:t>Environment</a:t>
+            </a:r>
+          </a:p>
+        </p:txBody>
+      </p:sp>
+      <p:sp>
+        <p:nvSpPr>
+          <p:cNvPr id="12" name="Rectangle 11">
+            <a:extLst>
+              <a:ext uri="{FF2B5EF4-FFF2-40B4-BE49-F238E27FC236}">
+                <a16:creationId xmlns:a16="http://schemas.microsoft.com/office/drawing/2014/main" id="{3FD3CB46-8564-725D-FC1A-E226EC8118B4}"/>
+              </a:ext>
+            </a:extLst>
+          </p:cNvPr>
+          <p:cNvSpPr/>
+          <p:nvPr/>
+        </p:nvSpPr>
+        <p:spPr>
+          <a:xfrm>
+            <a:off x="1393116" y="3938452"/>
+            <a:ext cx="2130014" cy="457200"/>
+          </a:xfrm>
+          <a:prstGeom prst="rect">
+            <a:avLst/>
+          </a:prstGeom>
+        </p:spPr>
+        <p:style>
+          <a:lnRef idx="2">
+            <a:schemeClr val="accent1">
+              <a:shade val="15000"/>
+            </a:schemeClr>
+          </a:lnRef>
+          <a:fillRef idx="1">
+            <a:schemeClr val="accent1"/>
+          </a:fillRef>
+          <a:effectRef idx="0">
+            <a:schemeClr val="accent1"/>
+          </a:effectRef>
+          <a:fontRef idx="minor">
+            <a:schemeClr val="lt1"/>
+          </a:fontRef>
+        </p:style>
+        <p:txBody>
+          <a:bodyPr rtlCol="0" anchor="ctr"/>
+          <a:lstStyle/>
+          <a:p>
+            <a:pPr algn="ctr"/>
+            <a:r>
+              <a:rPr lang="en-US" err="1"/>
+              <a:t>Fsmonitor</a:t>
+            </a:r>
+            <a:endParaRPr lang="en-US"/>
+          </a:p>
+        </p:txBody>
+      </p:sp>
+      <p:sp>
+        <p:nvSpPr>
+          <p:cNvPr id="13" name="TextBox 12">
+            <a:extLst>
+              <a:ext uri="{FF2B5EF4-FFF2-40B4-BE49-F238E27FC236}">
+                <a16:creationId xmlns:a16="http://schemas.microsoft.com/office/drawing/2014/main" id="{E9DC62CD-28F7-C7D3-17BB-E334E20C18CA}"/>
               </a:ext>
             </a:extLst>
           </p:cNvPr>
@@ -7384,8 +7647,8 @@
         </p:nvSpPr>
         <p:spPr>
           <a:xfrm>
-            <a:off x="8045777" y="5382705"/>
-            <a:ext cx="2798010" cy="369332"/>
+            <a:off x="4324574" y="4509925"/>
+            <a:ext cx="2657139" cy="523220"/>
           </a:xfrm>
           <a:prstGeom prst="rect">
             <a:avLst/>
@@ -7393,14 +7656,14 @@
           <a:noFill/>
         </p:spPr>
         <p:txBody>
-          <a:bodyPr wrap="none" rtlCol="0">
+          <a:bodyPr wrap="square" rtlCol="0">
             <a:spAutoFit/>
           </a:bodyPr>
           <a:lstStyle/>
           <a:p>
             <a:r>
-              <a:rPr lang="en-US" dirty="0"/>
-              <a:t>Functional decomposition</a:t>
+              <a:rPr lang="en-US" sz="2800"/>
+              <a:t>…</a:t>
             </a:r>
           </a:p>
         </p:txBody>
@@ -7408,7 +7671,7 @@
     </p:spTree>
     <p:extLst>
       <p:ext uri="{BB962C8B-B14F-4D97-AF65-F5344CB8AC3E}">
-        <p14:creationId xmlns:p14="http://schemas.microsoft.com/office/powerpoint/2010/main" val="3586715039"/>
+        <p14:creationId xmlns:p14="http://schemas.microsoft.com/office/powerpoint/2010/main" val="3109122757"/>
       </p:ext>
     </p:extLst>
   </p:cSld>
@@ -7440,7 +7703,7 @@
           <p:cNvPr id="2" name="Title 1">
             <a:extLst>
               <a:ext uri="{FF2B5EF4-FFF2-40B4-BE49-F238E27FC236}">
-                <a16:creationId xmlns:a16="http://schemas.microsoft.com/office/drawing/2014/main" id="{92F944BF-0D41-F518-CDEE-3D6D27F15188}"/>
+                <a16:creationId xmlns:a16="http://schemas.microsoft.com/office/drawing/2014/main" id="{F23F192C-6710-621C-00BA-11538956C294}"/>
               </a:ext>
             </a:extLst>
           </p:cNvPr>
@@ -7457,18 +7720,18 @@
           <a:lstStyle/>
           <a:p>
             <a:r>
-              <a:rPr lang="en-US" dirty="0"/>
-              <a:t>Example: Volatility Based Trading System</a:t>
-            </a:r>
-          </a:p>
-        </p:txBody>
-      </p:sp>
-      <p:sp>
-        <p:nvSpPr>
-          <p:cNvPr id="3" name="Content Placeholder 2">
-            <a:extLst>
-              <a:ext uri="{FF2B5EF4-FFF2-40B4-BE49-F238E27FC236}">
-                <a16:creationId xmlns:a16="http://schemas.microsoft.com/office/drawing/2014/main" id="{7E76C394-C190-132B-35E8-F9946464F996}"/>
+              <a:rPr lang="en-US"/>
+              <a:t>Just-enough SW architecture</a:t>
+            </a:r>
+          </a:p>
+        </p:txBody>
+      </p:sp>
+      <p:sp>
+        <p:nvSpPr>
+          <p:cNvPr id="5" name="Content Placeholder 4">
+            <a:extLst>
+              <a:ext uri="{FF2B5EF4-FFF2-40B4-BE49-F238E27FC236}">
+                <a16:creationId xmlns:a16="http://schemas.microsoft.com/office/drawing/2014/main" id="{499FC623-6EDC-6B50-7F69-2A6EAEE8FF3F}"/>
               </a:ext>
             </a:extLst>
           </p:cNvPr>
@@ -7479,93 +7742,31 @@
             <p:ph idx="1"/>
           </p:nvPr>
         </p:nvSpPr>
-        <p:spPr>
-          <a:xfrm>
-            <a:off x="838200" y="1825625"/>
-            <a:ext cx="5257800" cy="4351338"/>
-          </a:xfrm>
-        </p:spPr>
+        <p:spPr/>
         <p:txBody>
           <a:bodyPr/>
           <a:lstStyle/>
           <a:p>
             <a:r>
-              <a:rPr lang="en-US" dirty="0"/>
-              <a:t>User volatility</a:t>
-            </a:r>
-          </a:p>
-          <a:p>
-            <a:r>
-              <a:rPr lang="en-US" dirty="0"/>
-              <a:t>Client application volatility</a:t>
-            </a:r>
-          </a:p>
-          <a:p>
-            <a:r>
-              <a:rPr lang="en-US" dirty="0"/>
-              <a:t>Security volatility</a:t>
-            </a:r>
-          </a:p>
-          <a:p>
-            <a:r>
-              <a:rPr lang="en-US" dirty="0"/>
-              <a:t>Notification volatility</a:t>
-            </a:r>
-          </a:p>
-          <a:p>
-            <a:r>
-              <a:rPr lang="en-US" dirty="0"/>
-              <a:t>Storage volatility</a:t>
-            </a:r>
-          </a:p>
-          <a:p>
-            <a:r>
-              <a:rPr lang="en-US" dirty="0"/>
-              <a:t>Connection and synchronization volatility</a:t>
-            </a:r>
-          </a:p>
-          <a:p>
-            <a:r>
-              <a:rPr lang="en-US" dirty="0"/>
-              <a:t>…</a:t>
-            </a:r>
-          </a:p>
-        </p:txBody>
-      </p:sp>
-      <p:pic>
-        <p:nvPicPr>
-          <p:cNvPr id="5" name="Picture 4">
-            <a:extLst>
-              <a:ext uri="{FF2B5EF4-FFF2-40B4-BE49-F238E27FC236}">
-                <a16:creationId xmlns:a16="http://schemas.microsoft.com/office/drawing/2014/main" id="{FE2013E5-B19C-29E2-B248-D56633399E0E}"/>
-              </a:ext>
-            </a:extLst>
-          </p:cNvPr>
-          <p:cNvPicPr>
-            <a:picLocks noChangeAspect="1"/>
-          </p:cNvPicPr>
-          <p:nvPr/>
-        </p:nvPicPr>
-        <p:blipFill>
-          <a:blip r:embed="rId2"/>
-          <a:stretch>
-            <a:fillRect/>
-          </a:stretch>
-        </p:blipFill>
-        <p:spPr>
-          <a:xfrm>
-            <a:off x="5291313" y="1624700"/>
-            <a:ext cx="6900687" cy="3948112"/>
-          </a:xfrm>
-          <a:prstGeom prst="rect">
-            <a:avLst/>
-          </a:prstGeom>
-        </p:spPr>
-      </p:pic>
+              <a:rPr lang="en-US"/>
+              <a:t>Rare changes should not be encapsulated.</a:t>
+            </a:r>
+          </a:p>
+          <a:p>
+            <a:r>
+              <a:rPr lang="en-US"/>
+              <a:t>Speculative design increases system complexity.</a:t>
+            </a:r>
+          </a:p>
+          <a:p>
+            <a:endParaRPr lang="en-US"/>
+          </a:p>
+        </p:txBody>
+      </p:sp>
     </p:spTree>
     <p:extLst>
       <p:ext uri="{BB962C8B-B14F-4D97-AF65-F5344CB8AC3E}">
-        <p14:creationId xmlns:p14="http://schemas.microsoft.com/office/powerpoint/2010/main" val="511668540"/>
+        <p14:creationId xmlns:p14="http://schemas.microsoft.com/office/powerpoint/2010/main" val="2757867001"/>
       </p:ext>
     </p:extLst>
   </p:cSld>
@@ -7597,6 +7798,367 @@
           <p:cNvPr id="2" name="Title 1">
             <a:extLst>
               <a:ext uri="{FF2B5EF4-FFF2-40B4-BE49-F238E27FC236}">
+                <a16:creationId xmlns:a16="http://schemas.microsoft.com/office/drawing/2014/main" id="{C1769F55-8449-ED80-5A60-719080DB1A10}"/>
+              </a:ext>
+            </a:extLst>
+          </p:cNvPr>
+          <p:cNvSpPr>
+            <a:spLocks noGrp="1"/>
+          </p:cNvSpPr>
+          <p:nvPr>
+            <p:ph type="title"/>
+          </p:nvPr>
+        </p:nvSpPr>
+        <p:spPr/>
+        <p:txBody>
+          <a:bodyPr/>
+          <a:lstStyle/>
+          <a:p>
+            <a:r>
+              <a:rPr lang="en-US" dirty="0"/>
+              <a:t>EXAMPLE: FUNCTIONAL TRADING SYSTEM</a:t>
+            </a:r>
+          </a:p>
+        </p:txBody>
+      </p:sp>
+      <p:sp>
+        <p:nvSpPr>
+          <p:cNvPr id="3" name="Content Placeholder 2">
+            <a:extLst>
+              <a:ext uri="{FF2B5EF4-FFF2-40B4-BE49-F238E27FC236}">
+                <a16:creationId xmlns:a16="http://schemas.microsoft.com/office/drawing/2014/main" id="{947B985C-1F02-4BE3-0C41-47F5FFBE7888}"/>
+              </a:ext>
+            </a:extLst>
+          </p:cNvPr>
+          <p:cNvSpPr>
+            <a:spLocks noGrp="1"/>
+          </p:cNvSpPr>
+          <p:nvPr>
+            <p:ph idx="1"/>
+          </p:nvPr>
+        </p:nvSpPr>
+        <p:spPr>
+          <a:xfrm>
+            <a:off x="838200" y="1825625"/>
+            <a:ext cx="6320118" cy="4351338"/>
+          </a:xfrm>
+        </p:spPr>
+        <p:txBody>
+          <a:bodyPr>
+            <a:normAutofit fontScale="77500" lnSpcReduction="20000"/>
+          </a:bodyPr>
+          <a:lstStyle/>
+          <a:p>
+            <a:r>
+              <a:rPr lang="en-US" dirty="0"/>
+              <a:t>The system should enable in-house traders to:</a:t>
+            </a:r>
+          </a:p>
+          <a:p>
+            <a:pPr lvl="1"/>
+            <a:r>
+              <a:rPr lang="en-US" dirty="0"/>
+              <a:t>Buy and sell stocks</a:t>
+            </a:r>
+          </a:p>
+          <a:p>
+            <a:pPr lvl="1"/>
+            <a:r>
+              <a:rPr lang="en-US" dirty="0"/>
+              <a:t>Schedule trades</a:t>
+            </a:r>
+          </a:p>
+          <a:p>
+            <a:pPr lvl="1"/>
+            <a:r>
+              <a:rPr lang="en-US" dirty="0"/>
+              <a:t>Issue reports</a:t>
+            </a:r>
+          </a:p>
+          <a:p>
+            <a:pPr lvl="1"/>
+            <a:r>
+              <a:rPr lang="en-US" dirty="0"/>
+              <a:t>Analyze the trades</a:t>
+            </a:r>
+          </a:p>
+          <a:p>
+            <a:r>
+              <a:rPr lang="en-US" dirty="0"/>
+              <a:t>The users of the system utilize a browser to connect to the system and manage connected sessions, completing a form and submitting the request.</a:t>
+            </a:r>
+          </a:p>
+          <a:p>
+            <a:r>
+              <a:rPr lang="en-US" dirty="0"/>
+              <a:t>After a trade, report, or analysis request, the system sends an email to the users confirming their request or containing the results.</a:t>
+            </a:r>
+          </a:p>
+          <a:p>
+            <a:r>
+              <a:rPr lang="en-US" dirty="0"/>
+              <a:t>The data should be stored in a local database.</a:t>
+            </a:r>
+          </a:p>
+        </p:txBody>
+      </p:sp>
+      <p:pic>
+        <p:nvPicPr>
+          <p:cNvPr id="5" name="Picture 4">
+            <a:extLst>
+              <a:ext uri="{FF2B5EF4-FFF2-40B4-BE49-F238E27FC236}">
+                <a16:creationId xmlns:a16="http://schemas.microsoft.com/office/drawing/2014/main" id="{80DCFF9A-3CE3-9C13-9E8F-F37891B74727}"/>
+              </a:ext>
+            </a:extLst>
+          </p:cNvPr>
+          <p:cNvPicPr>
+            <a:picLocks noChangeAspect="1"/>
+          </p:cNvPicPr>
+          <p:nvPr/>
+        </p:nvPicPr>
+        <p:blipFill>
+          <a:blip r:embed="rId2"/>
+          <a:stretch>
+            <a:fillRect/>
+          </a:stretch>
+        </p:blipFill>
+        <p:spPr>
+          <a:xfrm>
+            <a:off x="7158318" y="1690688"/>
+            <a:ext cx="4373401" cy="3199559"/>
+          </a:xfrm>
+          <a:prstGeom prst="rect">
+            <a:avLst/>
+          </a:prstGeom>
+        </p:spPr>
+      </p:pic>
+      <p:sp>
+        <p:nvSpPr>
+          <p:cNvPr id="6" name="TextBox 5">
+            <a:extLst>
+              <a:ext uri="{FF2B5EF4-FFF2-40B4-BE49-F238E27FC236}">
+                <a16:creationId xmlns:a16="http://schemas.microsoft.com/office/drawing/2014/main" id="{DE00B148-5C72-B93F-2011-1EA07127B0E3}"/>
+              </a:ext>
+            </a:extLst>
+          </p:cNvPr>
+          <p:cNvSpPr txBox="1"/>
+          <p:nvPr/>
+        </p:nvSpPr>
+        <p:spPr>
+          <a:xfrm>
+            <a:off x="8045777" y="5382705"/>
+            <a:ext cx="2798010" cy="369332"/>
+          </a:xfrm>
+          <a:prstGeom prst="rect">
+            <a:avLst/>
+          </a:prstGeom>
+          <a:noFill/>
+        </p:spPr>
+        <p:txBody>
+          <a:bodyPr wrap="none" rtlCol="0">
+            <a:spAutoFit/>
+          </a:bodyPr>
+          <a:lstStyle/>
+          <a:p>
+            <a:r>
+              <a:rPr lang="en-US" dirty="0"/>
+              <a:t>Functional decomposition</a:t>
+            </a:r>
+          </a:p>
+        </p:txBody>
+      </p:sp>
+    </p:spTree>
+    <p:extLst>
+      <p:ext uri="{BB962C8B-B14F-4D97-AF65-F5344CB8AC3E}">
+        <p14:creationId xmlns:p14="http://schemas.microsoft.com/office/powerpoint/2010/main" val="3586715039"/>
+      </p:ext>
+    </p:extLst>
+  </p:cSld>
+  <p:clrMapOvr>
+    <a:masterClrMapping/>
+  </p:clrMapOvr>
+</p:sld>
+</file>
+
+<file path=ppt/slides/slide24.xml><?xml version="1.0" encoding="utf-8"?>
+<p:sld xmlns:a="http://schemas.openxmlformats.org/drawingml/2006/main" xmlns:r="http://schemas.openxmlformats.org/officeDocument/2006/relationships" xmlns:p="http://schemas.openxmlformats.org/presentationml/2006/main">
+  <p:cSld>
+    <p:spTree>
+      <p:nvGrpSpPr>
+        <p:cNvPr id="1" name=""/>
+        <p:cNvGrpSpPr/>
+        <p:nvPr/>
+      </p:nvGrpSpPr>
+      <p:grpSpPr>
+        <a:xfrm>
+          <a:off x="0" y="0"/>
+          <a:ext cx="0" cy="0"/>
+          <a:chOff x="0" y="0"/>
+          <a:chExt cx="0" cy="0"/>
+        </a:xfrm>
+      </p:grpSpPr>
+      <p:sp>
+        <p:nvSpPr>
+          <p:cNvPr id="2" name="Title 1">
+            <a:extLst>
+              <a:ext uri="{FF2B5EF4-FFF2-40B4-BE49-F238E27FC236}">
+                <a16:creationId xmlns:a16="http://schemas.microsoft.com/office/drawing/2014/main" id="{92F944BF-0D41-F518-CDEE-3D6D27F15188}"/>
+              </a:ext>
+            </a:extLst>
+          </p:cNvPr>
+          <p:cNvSpPr>
+            <a:spLocks noGrp="1"/>
+          </p:cNvSpPr>
+          <p:nvPr>
+            <p:ph type="title"/>
+          </p:nvPr>
+        </p:nvSpPr>
+        <p:spPr/>
+        <p:txBody>
+          <a:bodyPr/>
+          <a:lstStyle/>
+          <a:p>
+            <a:r>
+              <a:rPr lang="en-US" dirty="0"/>
+              <a:t>Example: Volatility Based Trading System</a:t>
+            </a:r>
+          </a:p>
+        </p:txBody>
+      </p:sp>
+      <p:sp>
+        <p:nvSpPr>
+          <p:cNvPr id="3" name="Content Placeholder 2">
+            <a:extLst>
+              <a:ext uri="{FF2B5EF4-FFF2-40B4-BE49-F238E27FC236}">
+                <a16:creationId xmlns:a16="http://schemas.microsoft.com/office/drawing/2014/main" id="{7E76C394-C190-132B-35E8-F9946464F996}"/>
+              </a:ext>
+            </a:extLst>
+          </p:cNvPr>
+          <p:cNvSpPr>
+            <a:spLocks noGrp="1"/>
+          </p:cNvSpPr>
+          <p:nvPr>
+            <p:ph idx="1"/>
+          </p:nvPr>
+        </p:nvSpPr>
+        <p:spPr>
+          <a:xfrm>
+            <a:off x="838200" y="1825625"/>
+            <a:ext cx="5257800" cy="4351338"/>
+          </a:xfrm>
+        </p:spPr>
+        <p:txBody>
+          <a:bodyPr/>
+          <a:lstStyle/>
+          <a:p>
+            <a:r>
+              <a:rPr lang="en-US" dirty="0"/>
+              <a:t>User volatility</a:t>
+            </a:r>
+          </a:p>
+          <a:p>
+            <a:r>
+              <a:rPr lang="en-US" dirty="0"/>
+              <a:t>Client application volatility</a:t>
+            </a:r>
+          </a:p>
+          <a:p>
+            <a:r>
+              <a:rPr lang="en-US" dirty="0"/>
+              <a:t>Security volatility</a:t>
+            </a:r>
+          </a:p>
+          <a:p>
+            <a:r>
+              <a:rPr lang="en-US" dirty="0"/>
+              <a:t>Notification volatility</a:t>
+            </a:r>
+          </a:p>
+          <a:p>
+            <a:r>
+              <a:rPr lang="en-US" dirty="0"/>
+              <a:t>Storage volatility</a:t>
+            </a:r>
+          </a:p>
+          <a:p>
+            <a:r>
+              <a:rPr lang="en-US" dirty="0"/>
+              <a:t>Connection and synchronization volatility</a:t>
+            </a:r>
+          </a:p>
+          <a:p>
+            <a:r>
+              <a:rPr lang="en-US" dirty="0"/>
+              <a:t>…</a:t>
+            </a:r>
+          </a:p>
+        </p:txBody>
+      </p:sp>
+      <p:pic>
+        <p:nvPicPr>
+          <p:cNvPr id="5" name="Picture 4">
+            <a:extLst>
+              <a:ext uri="{FF2B5EF4-FFF2-40B4-BE49-F238E27FC236}">
+                <a16:creationId xmlns:a16="http://schemas.microsoft.com/office/drawing/2014/main" id="{FE2013E5-B19C-29E2-B248-D56633399E0E}"/>
+              </a:ext>
+            </a:extLst>
+          </p:cNvPr>
+          <p:cNvPicPr>
+            <a:picLocks noChangeAspect="1"/>
+          </p:cNvPicPr>
+          <p:nvPr/>
+        </p:nvPicPr>
+        <p:blipFill>
+          <a:blip r:embed="rId2"/>
+          <a:stretch>
+            <a:fillRect/>
+          </a:stretch>
+        </p:blipFill>
+        <p:spPr>
+          <a:xfrm>
+            <a:off x="5291313" y="1624700"/>
+            <a:ext cx="6900687" cy="3948112"/>
+          </a:xfrm>
+          <a:prstGeom prst="rect">
+            <a:avLst/>
+          </a:prstGeom>
+        </p:spPr>
+      </p:pic>
+    </p:spTree>
+    <p:extLst>
+      <p:ext uri="{BB962C8B-B14F-4D97-AF65-F5344CB8AC3E}">
+        <p14:creationId xmlns:p14="http://schemas.microsoft.com/office/powerpoint/2010/main" val="511668540"/>
+      </p:ext>
+    </p:extLst>
+  </p:cSld>
+  <p:clrMapOvr>
+    <a:masterClrMapping/>
+  </p:clrMapOvr>
+</p:sld>
+</file>
+
+<file path=ppt/slides/slide25.xml><?xml version="1.0" encoding="utf-8"?>
+<p:sld xmlns:a="http://schemas.openxmlformats.org/drawingml/2006/main" xmlns:r="http://schemas.openxmlformats.org/officeDocument/2006/relationships" xmlns:p="http://schemas.openxmlformats.org/presentationml/2006/main">
+  <p:cSld>
+    <p:spTree>
+      <p:nvGrpSpPr>
+        <p:cNvPr id="1" name=""/>
+        <p:cNvGrpSpPr/>
+        <p:nvPr/>
+      </p:nvGrpSpPr>
+      <p:grpSpPr>
+        <a:xfrm>
+          <a:off x="0" y="0"/>
+          <a:ext cx="0" cy="0"/>
+          <a:chOff x="0" y="0"/>
+          <a:chExt cx="0" cy="0"/>
+        </a:xfrm>
+      </p:grpSpPr>
+      <p:sp>
+        <p:nvSpPr>
+          <p:cNvPr id="2" name="Title 1">
+            <a:extLst>
+              <a:ext uri="{FF2B5EF4-FFF2-40B4-BE49-F238E27FC236}">
                 <a16:creationId xmlns:a16="http://schemas.microsoft.com/office/drawing/2014/main" id="{27F928A8-E9ED-6560-7969-0E4CC3D08789}"/>
               </a:ext>
             </a:extLst>
@@ -7719,7 +8281,7 @@
 </p:sld>
 </file>
 
-<file path=ppt/slides/slide24.xml><?xml version="1.0" encoding="utf-8"?>
+<file path=ppt/slides/slide26.xml><?xml version="1.0" encoding="utf-8"?>
 <p:sld xmlns:a="http://schemas.openxmlformats.org/drawingml/2006/main" xmlns:r="http://schemas.openxmlformats.org/officeDocument/2006/relationships" xmlns:p="http://schemas.openxmlformats.org/presentationml/2006/main">
   <p:cSld>
     <p:spTree>
